--- a/handouts/Python.pptx
+++ b/handouts/Python.pptx
@@ -22,13 +22,15 @@
     <p:sldId id="270" r:id="rId16"/>
     <p:sldId id="271" r:id="rId17"/>
     <p:sldId id="272" r:id="rId18"/>
-    <p:sldId id="273" r:id="rId19"/>
-    <p:sldId id="274" r:id="rId20"/>
-    <p:sldId id="275" r:id="rId21"/>
-    <p:sldId id="276" r:id="rId22"/>
-    <p:sldId id="277" r:id="rId23"/>
-    <p:sldId id="278" r:id="rId24"/>
-    <p:sldId id="279" r:id="rId25"/>
+    <p:sldId id="280" r:id="rId19"/>
+    <p:sldId id="273" r:id="rId20"/>
+    <p:sldId id="281" r:id="rId21"/>
+    <p:sldId id="274" r:id="rId22"/>
+    <p:sldId id="275" r:id="rId23"/>
+    <p:sldId id="276" r:id="rId24"/>
+    <p:sldId id="277" r:id="rId25"/>
+    <p:sldId id="278" r:id="rId26"/>
+    <p:sldId id="279" r:id="rId27"/>
   </p:sldIdLst>
   <p:sldSz cx="12192000" cy="6858000"/>
   <p:notesSz cx="6858000" cy="9144000"/>
@@ -19264,7 +19266,7 @@
             <a:pPr algn="ctr"/>
             <a:r>
               <a:rPr lang="en-SG" dirty="0"/>
-              <a:t>V. Functions (1/4)</a:t>
+              <a:t>V. Functions (1/6)</a:t>
             </a:r>
           </a:p>
         </p:txBody>
@@ -19753,7 +19755,7 @@
             </a:pPr>
             <a:r>
               <a:rPr lang="en-SG" sz="1600" dirty="0"/>
-              <a:t>4. Arbitrary argument list (optional). The values will be passed to a list.</a:t>
+              <a:t>4. Wait for it…</a:t>
             </a:r>
           </a:p>
           <a:p>
@@ -19764,7 +19766,7 @@
             </a:pPr>
             <a:r>
               <a:rPr lang="en-SG" sz="1600" dirty="0"/>
-              <a:t>5. Arbitrary named arguments. The values will be passed to a dictionary.</a:t>
+              <a:t>5. Wait for it…</a:t>
             </a:r>
           </a:p>
           <a:p>
@@ -20024,112 +20026,6 @@
       </p:sp>
       <p:sp>
         <p:nvSpPr>
-          <p:cNvPr id="15" name="Rectangle 14">
-            <a:extLst>
-              <a:ext uri="{FF2B5EF4-FFF2-40B4-BE49-F238E27FC236}">
-                <a16:creationId xmlns:a16="http://schemas.microsoft.com/office/drawing/2014/main" id="{C695BBEC-4A38-4D50-A5EB-3149C621576A}"/>
-              </a:ext>
-            </a:extLst>
-          </p:cNvPr>
-          <p:cNvSpPr/>
-          <p:nvPr/>
-        </p:nvSpPr>
-        <p:spPr>
-          <a:xfrm>
-            <a:off x="8390838" y="2449627"/>
-            <a:ext cx="219465" cy="189476"/>
-          </a:xfrm>
-          <a:prstGeom prst="rect">
-            <a:avLst/>
-          </a:prstGeom>
-          <a:noFill/>
-          <a:ln>
-            <a:solidFill>
-              <a:schemeClr val="tx1"/>
-            </a:solidFill>
-          </a:ln>
-        </p:spPr>
-        <p:txBody>
-          <a:bodyPr wrap="square" lIns="91440" tIns="45720" rIns="91440" bIns="45720" anchor="ctr" anchorCtr="0">
-            <a:noAutofit/>
-          </a:bodyPr>
-          <a:lstStyle/>
-          <a:p>
-            <a:pPr algn="ctr"/>
-            <a:r>
-              <a:rPr lang="en-US" sz="1200" b="1" cap="none" spc="0" dirty="0">
-                <a:ln w="0"/>
-                <a:solidFill>
-                  <a:schemeClr val="accent1"/>
-                </a:solidFill>
-                <a:effectLst>
-                  <a:outerShdw blurRad="38100" dist="25400" dir="5400000" algn="ctr" rotWithShape="0">
-                    <a:srgbClr val="6E747A">
-                      <a:alpha val="43000"/>
-                    </a:srgbClr>
-                  </a:outerShdw>
-                </a:effectLst>
-              </a:rPr>
-              <a:t>4</a:t>
-            </a:r>
-          </a:p>
-        </p:txBody>
-      </p:sp>
-      <p:sp>
-        <p:nvSpPr>
-          <p:cNvPr id="16" name="Rectangle 15">
-            <a:extLst>
-              <a:ext uri="{FF2B5EF4-FFF2-40B4-BE49-F238E27FC236}">
-                <a16:creationId xmlns:a16="http://schemas.microsoft.com/office/drawing/2014/main" id="{ACFB4DA0-71BB-4A1D-BFC8-FDD59E6DF8A7}"/>
-              </a:ext>
-            </a:extLst>
-          </p:cNvPr>
-          <p:cNvSpPr/>
-          <p:nvPr/>
-        </p:nvSpPr>
-        <p:spPr>
-          <a:xfrm>
-            <a:off x="9104985" y="2449627"/>
-            <a:ext cx="219465" cy="189476"/>
-          </a:xfrm>
-          <a:prstGeom prst="rect">
-            <a:avLst/>
-          </a:prstGeom>
-          <a:noFill/>
-          <a:ln>
-            <a:solidFill>
-              <a:schemeClr val="tx1"/>
-            </a:solidFill>
-          </a:ln>
-        </p:spPr>
-        <p:txBody>
-          <a:bodyPr wrap="square" lIns="91440" tIns="45720" rIns="91440" bIns="45720" anchor="ctr" anchorCtr="0">
-            <a:noAutofit/>
-          </a:bodyPr>
-          <a:lstStyle/>
-          <a:p>
-            <a:pPr algn="ctr"/>
-            <a:r>
-              <a:rPr lang="en-US" sz="1200" b="1" cap="none" spc="0" dirty="0">
-                <a:ln w="0"/>
-                <a:solidFill>
-                  <a:schemeClr val="accent1"/>
-                </a:solidFill>
-                <a:effectLst>
-                  <a:outerShdw blurRad="38100" dist="25400" dir="5400000" algn="ctr" rotWithShape="0">
-                    <a:srgbClr val="6E747A">
-                      <a:alpha val="43000"/>
-                    </a:srgbClr>
-                  </a:outerShdw>
-                </a:effectLst>
-              </a:rPr>
-              <a:t>5</a:t>
-            </a:r>
-          </a:p>
-        </p:txBody>
-      </p:sp>
-      <p:sp>
-        <p:nvSpPr>
           <p:cNvPr id="17" name="Rectangle 16">
             <a:extLst>
               <a:ext uri="{FF2B5EF4-FFF2-40B4-BE49-F238E27FC236}">
@@ -20254,7 +20150,7 @@
     </p:spTree>
     <p:extLst>
       <p:ext uri="{BB962C8B-B14F-4D97-AF65-F5344CB8AC3E}">
-        <p14:creationId xmlns:p14="http://schemas.microsoft.com/office/powerpoint/2010/main" val="1242657602"/>
+        <p14:creationId xmlns:p14="http://schemas.microsoft.com/office/powerpoint/2010/main" val="373672205"/>
       </p:ext>
     </p:extLst>
   </p:cSld>
@@ -20286,7 +20182,7 @@
           <p:cNvPr id="4" name="Title 1">
             <a:extLst>
               <a:ext uri="{FF2B5EF4-FFF2-40B4-BE49-F238E27FC236}">
-                <a16:creationId xmlns:a16="http://schemas.microsoft.com/office/drawing/2014/main" id="{D81F7305-D163-4A5A-973B-7766ED7E728C}"/>
+                <a16:creationId xmlns:a16="http://schemas.microsoft.com/office/drawing/2014/main" id="{6BFEC868-6E5E-4C1F-9427-241578AE8691}"/>
               </a:ext>
             </a:extLst>
           </p:cNvPr>
@@ -20331,7 +20227,7 @@
             <a:pPr algn="ctr"/>
             <a:r>
               <a:rPr lang="en-SG" dirty="0"/>
-              <a:t>V. Functions (2/4)</a:t>
+              <a:t>V. Functions (2/6)</a:t>
             </a:r>
           </a:p>
         </p:txBody>
@@ -20341,7 +20237,7 @@
           <p:cNvPr id="5" name="Content Placeholder 2">
             <a:extLst>
               <a:ext uri="{FF2B5EF4-FFF2-40B4-BE49-F238E27FC236}">
-                <a16:creationId xmlns:a16="http://schemas.microsoft.com/office/drawing/2014/main" id="{118E60AF-D55C-401F-968A-0D1EB42B38F5}"/>
+                <a16:creationId xmlns:a16="http://schemas.microsoft.com/office/drawing/2014/main" id="{0B4C1A48-0D6A-4583-8409-06DDD0A4F451}"/>
               </a:ext>
             </a:extLst>
           </p:cNvPr>
@@ -20352,22 +20248,15 @@
         </p:nvSpPr>
         <p:spPr>
           <a:xfrm>
-            <a:off x="321733" y="1186143"/>
-            <a:ext cx="11032067" cy="5306731"/>
+            <a:off x="838199" y="1215614"/>
+            <a:ext cx="10515599" cy="5432836"/>
           </a:xfrm>
           <a:prstGeom prst="rect">
             <a:avLst/>
           </a:prstGeom>
-          <a:ln>
-            <a:solidFill>
-              <a:schemeClr val="tx1"/>
-            </a:solidFill>
-          </a:ln>
         </p:spPr>
         <p:txBody>
-          <a:bodyPr>
-            <a:noAutofit/>
-          </a:bodyPr>
+          <a:bodyPr/>
           <a:lstStyle>
             <a:lvl1pPr marL="0" indent="0" algn="l" defTabSz="914400" rtl="0" eaLnBrk="1" latinLnBrk="0" hangingPunct="1">
               <a:lnSpc>
@@ -20548,132 +20437,22 @@
             </a:lvl9pPr>
           </a:lstStyle>
           <a:p>
+            <a:endParaRPr lang="en-SG" dirty="0"/>
+          </a:p>
+          <a:p>
             <a:r>
               <a:rPr lang="en-SG" dirty="0"/>
-              <a:t>How to call / invoke a function:</a:t>
-            </a:r>
-          </a:p>
-          <a:p>
-            <a:endParaRPr lang="en-SG" dirty="0"/>
-          </a:p>
-          <a:p>
-            <a:r>
-              <a:rPr lang="en-SG" sz="1400" dirty="0"/>
-              <a:t>1. Start by specifying the name of the function to be called.</a:t>
-            </a:r>
-          </a:p>
-          <a:p>
-            <a:r>
-              <a:rPr lang="en-SG" sz="1400" dirty="0"/>
-              <a:t>2. The mandatory argument.</a:t>
-            </a:r>
-          </a:p>
-          <a:p>
-            <a:r>
-              <a:rPr lang="en-SG" sz="1400" dirty="0"/>
-              <a:t>3. The default argument.</a:t>
-            </a:r>
-          </a:p>
-          <a:p>
-            <a:r>
-              <a:rPr lang="en-SG" sz="1400" dirty="0"/>
-              <a:t>4. Arbitrary argument list.</a:t>
-            </a:r>
-          </a:p>
-          <a:p>
-            <a:r>
-              <a:rPr lang="en-SG" sz="1400" dirty="0"/>
-              <a:t>5. Arbitrary named arguments.</a:t>
-            </a:r>
-          </a:p>
-          <a:p>
-            <a:r>
-              <a:rPr lang="en-SG" dirty="0"/>
-              <a:t>Output:</a:t>
-            </a:r>
-          </a:p>
-          <a:p>
-            <a:pPr>
-              <a:lnSpc>
-                <a:spcPct val="100000"/>
-              </a:lnSpc>
-              <a:spcBef>
-                <a:spcPts val="0"/>
-              </a:spcBef>
-            </a:pPr>
-            <a:endParaRPr lang="en-SG" sz="1600" b="1" dirty="0"/>
-          </a:p>
-          <a:p>
-            <a:pPr>
-              <a:lnSpc>
-                <a:spcPct val="100000"/>
-              </a:lnSpc>
-              <a:spcBef>
-                <a:spcPts val="0"/>
-              </a:spcBef>
-            </a:pPr>
-            <a:r>
-              <a:rPr lang="en-SG" sz="1600" b="1" dirty="0"/>
-              <a:t>NOTE:</a:t>
-            </a:r>
-          </a:p>
-          <a:p>
-            <a:pPr>
-              <a:lnSpc>
-                <a:spcPct val="100000"/>
-              </a:lnSpc>
-              <a:spcBef>
-                <a:spcPts val="0"/>
-              </a:spcBef>
-            </a:pPr>
-            <a:r>
-              <a:rPr lang="en-SG" sz="1600" dirty="0"/>
-              <a:t>1. The number of arguments in a function can be zero or as many as intended. Example of function with zero argument:</a:t>
-            </a:r>
-          </a:p>
-          <a:p>
-            <a:pPr>
-              <a:lnSpc>
-                <a:spcPct val="100000"/>
-              </a:lnSpc>
-              <a:spcBef>
-                <a:spcPts val="0"/>
-              </a:spcBef>
-            </a:pPr>
-            <a:endParaRPr lang="en-SG" sz="1600" dirty="0"/>
-          </a:p>
-          <a:p>
-            <a:r>
-              <a:rPr lang="en-SG" sz="1600" dirty="0"/>
-              <a:t>2. To define a function, arguments need to be wrapped with bracket and semi colon. i.e. </a:t>
-            </a:r>
-          </a:p>
-          <a:p>
-            <a:r>
-              <a:rPr lang="en-SG" sz="1600" dirty="0"/>
-              <a:t>3. To call the function, arguments need to be wrapped with bracket (NO semi colon). i.e. </a:t>
-            </a:r>
-            <a:r>
-              <a:rPr lang="en-SG" sz="1600" dirty="0">
-                <a:latin typeface="Consolas" panose="020B0609020204030204" pitchFamily="49" charset="0"/>
-              </a:rPr>
-              <a:t>run</a:t>
-            </a:r>
-            <a:r>
-              <a:rPr lang="en-SG" sz="1600" b="1" dirty="0">
-                <a:latin typeface="Consolas" panose="020B0609020204030204" pitchFamily="49" charset="0"/>
-              </a:rPr>
-              <a:t>()</a:t>
+              <a:t>						</a:t>
             </a:r>
           </a:p>
         </p:txBody>
       </p:sp>
       <p:pic>
         <p:nvPicPr>
-          <p:cNvPr id="15" name="Picture 14">
-            <a:extLst>
-              <a:ext uri="{FF2B5EF4-FFF2-40B4-BE49-F238E27FC236}">
-                <a16:creationId xmlns:a16="http://schemas.microsoft.com/office/drawing/2014/main" id="{841750E3-E0CE-4CBA-B00C-EA7C4FD77DE0}"/>
+          <p:cNvPr id="6" name="Content Placeholder 5">
+            <a:extLst>
+              <a:ext uri="{FF2B5EF4-FFF2-40B4-BE49-F238E27FC236}">
+                <a16:creationId xmlns:a16="http://schemas.microsoft.com/office/drawing/2014/main" id="{DEE4DCC5-0134-497D-BB85-F7F36BF5861E}"/>
               </a:ext>
             </a:extLst>
           </p:cNvPr>
@@ -20690,8 +20469,8 @@
         </p:blipFill>
         <p:spPr>
           <a:xfrm>
-            <a:off x="1088495" y="1725620"/>
-            <a:ext cx="8429625" cy="257175"/>
+            <a:off x="1446169" y="3322638"/>
+            <a:ext cx="3457575" cy="3362325"/>
           </a:xfrm>
           <a:prstGeom prst="rect">
             <a:avLst/>
@@ -20700,10 +20479,10 @@
       </p:pic>
       <p:sp>
         <p:nvSpPr>
-          <p:cNvPr id="16" name="Rectangle 15">
-            <a:extLst>
-              <a:ext uri="{FF2B5EF4-FFF2-40B4-BE49-F238E27FC236}">
-                <a16:creationId xmlns:a16="http://schemas.microsoft.com/office/drawing/2014/main" id="{541DA4D9-90B7-4DA7-9AB9-F73E18DDC541}"/>
+          <p:cNvPr id="7" name="Speech Bubble: Oval 6">
+            <a:extLst>
+              <a:ext uri="{FF2B5EF4-FFF2-40B4-BE49-F238E27FC236}">
+                <a16:creationId xmlns:a16="http://schemas.microsoft.com/office/drawing/2014/main" id="{2A9FCE4B-0078-4D78-B94D-F56F8CBA9312}"/>
               </a:ext>
             </a:extLst>
           </p:cNvPr>
@@ -20712,7 +20491,303 @@
         </p:nvSpPr>
         <p:spPr>
           <a:xfrm>
-            <a:off x="1935833" y="1536144"/>
+            <a:off x="871361" y="2385339"/>
+            <a:ext cx="2937734" cy="1447455"/>
+          </a:xfrm>
+          <a:prstGeom prst="wedgeEllipseCallout">
+            <a:avLst/>
+          </a:prstGeom>
+          <a:solidFill>
+            <a:schemeClr val="bg1"/>
+          </a:solidFill>
+        </p:spPr>
+        <p:style>
+          <a:lnRef idx="2">
+            <a:schemeClr val="accent1">
+              <a:shade val="50000"/>
+            </a:schemeClr>
+          </a:lnRef>
+          <a:fillRef idx="1">
+            <a:schemeClr val="accent1"/>
+          </a:fillRef>
+          <a:effectRef idx="0">
+            <a:schemeClr val="accent1"/>
+          </a:effectRef>
+          <a:fontRef idx="minor">
+            <a:schemeClr val="lt1"/>
+          </a:fontRef>
+        </p:style>
+        <p:txBody>
+          <a:bodyPr wrap="square" rtlCol="0" anchor="ctr"/>
+          <a:lstStyle/>
+          <a:p>
+            <a:r>
+              <a:rPr lang="en-SG" sz="1100" dirty="0">
+                <a:solidFill>
+                  <a:schemeClr val="tx1"/>
+                </a:solidFill>
+                <a:latin typeface="Comic Sans MS" panose="030F0702030302020204" pitchFamily="66" charset="0"/>
+              </a:rPr>
+              <a:t>Hi, please:</a:t>
+            </a:r>
+          </a:p>
+          <a:p>
+            <a:r>
+              <a:rPr lang="en-SG" sz="1100" dirty="0">
+                <a:solidFill>
+                  <a:schemeClr val="tx1"/>
+                </a:solidFill>
+                <a:latin typeface="Comic Sans MS" panose="030F0702030302020204" pitchFamily="66" charset="0"/>
+              </a:rPr>
+              <a:t>Grind bean with arabica 70% and </a:t>
+            </a:r>
+            <a:r>
+              <a:rPr lang="en-SG" sz="1100" dirty="0" err="1">
+                <a:solidFill>
+                  <a:schemeClr val="tx1"/>
+                </a:solidFill>
+                <a:latin typeface="Comic Sans MS" panose="030F0702030302020204" pitchFamily="66" charset="0"/>
+              </a:rPr>
+              <a:t>robusta</a:t>
+            </a:r>
+            <a:r>
+              <a:rPr lang="en-SG" sz="1100" dirty="0">
+                <a:solidFill>
+                  <a:schemeClr val="tx1"/>
+                </a:solidFill>
+                <a:latin typeface="Comic Sans MS" panose="030F0702030302020204" pitchFamily="66" charset="0"/>
+              </a:rPr>
+              <a:t> 30% ratio. Add 1 shot of milk. Add 2 spoon of sugar. And add cocoa and </a:t>
+            </a:r>
+            <a:r>
+              <a:rPr lang="en-SG" sz="1100" dirty="0" err="1">
+                <a:solidFill>
+                  <a:schemeClr val="tx1"/>
+                </a:solidFill>
+                <a:latin typeface="Comic Sans MS" panose="030F0702030302020204" pitchFamily="66" charset="0"/>
+              </a:rPr>
+              <a:t>whipcream</a:t>
+            </a:r>
+            <a:r>
+              <a:rPr lang="en-SG" sz="1100" dirty="0">
+                <a:solidFill>
+                  <a:schemeClr val="tx1"/>
+                </a:solidFill>
+                <a:latin typeface="Comic Sans MS" panose="030F0702030302020204" pitchFamily="66" charset="0"/>
+              </a:rPr>
+              <a:t>.</a:t>
+            </a:r>
+          </a:p>
+        </p:txBody>
+      </p:sp>
+      <p:sp>
+        <p:nvSpPr>
+          <p:cNvPr id="8" name="TextBox 7">
+            <a:extLst>
+              <a:ext uri="{FF2B5EF4-FFF2-40B4-BE49-F238E27FC236}">
+                <a16:creationId xmlns:a16="http://schemas.microsoft.com/office/drawing/2014/main" id="{230826BE-D752-4BA8-94BB-6EB1B89F076E}"/>
+              </a:ext>
+            </a:extLst>
+          </p:cNvPr>
+          <p:cNvSpPr txBox="1"/>
+          <p:nvPr/>
+        </p:nvSpPr>
+        <p:spPr>
+          <a:xfrm>
+            <a:off x="5355801" y="1946814"/>
+            <a:ext cx="6260465" cy="4701636"/>
+          </a:xfrm>
+          <a:prstGeom prst="rect">
+            <a:avLst/>
+          </a:prstGeom>
+          <a:solidFill>
+            <a:schemeClr val="bg1"/>
+          </a:solidFill>
+          <a:ln>
+            <a:solidFill>
+              <a:schemeClr val="tx1"/>
+            </a:solidFill>
+          </a:ln>
+        </p:spPr>
+        <p:txBody>
+          <a:bodyPr wrap="square" rtlCol="0">
+            <a:noAutofit/>
+          </a:bodyPr>
+          <a:lstStyle/>
+          <a:p>
+            <a:r>
+              <a:rPr lang="en-SG" dirty="0"/>
+              <a:t>Structure of a function.</a:t>
+            </a:r>
+          </a:p>
+          <a:p>
+            <a:endParaRPr lang="en-SG" dirty="0"/>
+          </a:p>
+          <a:p>
+            <a:endParaRPr lang="en-SG" dirty="0"/>
+          </a:p>
+          <a:p>
+            <a:endParaRPr lang="en-SG" dirty="0"/>
+          </a:p>
+          <a:p>
+            <a:endParaRPr lang="en-SG" dirty="0"/>
+          </a:p>
+          <a:p>
+            <a:endParaRPr lang="en-SG" sz="1600" dirty="0"/>
+          </a:p>
+          <a:p>
+            <a:pPr>
+              <a:spcAft>
+                <a:spcPts val="800"/>
+              </a:spcAft>
+            </a:pPr>
+            <a:r>
+              <a:rPr lang="en-SG" sz="1600" dirty="0"/>
+              <a:t>0. Key word </a:t>
+            </a:r>
+            <a:r>
+              <a:rPr lang="en-SG" sz="1600" b="1" dirty="0">
+                <a:solidFill>
+                  <a:schemeClr val="accent1"/>
+                </a:solidFill>
+              </a:rPr>
+              <a:t>def</a:t>
+            </a:r>
+            <a:r>
+              <a:rPr lang="en-SG" sz="1600" dirty="0"/>
+              <a:t> is needed to </a:t>
+            </a:r>
+            <a:r>
+              <a:rPr lang="en-SG" sz="1600" i="1" dirty="0"/>
+              <a:t>define</a:t>
+            </a:r>
+            <a:r>
+              <a:rPr lang="en-SG" sz="1600" dirty="0"/>
+              <a:t> the function. Function need to be defined before it can be used.</a:t>
+            </a:r>
+          </a:p>
+          <a:p>
+            <a:pPr marL="342900" indent="-342900">
+              <a:spcAft>
+                <a:spcPts val="800"/>
+              </a:spcAft>
+              <a:buAutoNum type="arabicPeriod"/>
+            </a:pPr>
+            <a:r>
+              <a:rPr lang="en-SG" sz="1600" dirty="0"/>
+              <a:t>Name of the function. It follows variable naming convention.</a:t>
+            </a:r>
+          </a:p>
+          <a:p>
+            <a:pPr>
+              <a:spcAft>
+                <a:spcPts val="800"/>
+              </a:spcAft>
+            </a:pPr>
+            <a:r>
+              <a:rPr lang="en-SG" sz="1600" dirty="0"/>
+              <a:t>2. Mandatory </a:t>
+            </a:r>
+            <a:r>
+              <a:rPr lang="en-SG" sz="1600" i="1" dirty="0"/>
+              <a:t>argument</a:t>
+            </a:r>
+            <a:r>
+              <a:rPr lang="en-SG" sz="1600" dirty="0"/>
+              <a:t>. This will be the value given to the function.</a:t>
+            </a:r>
+          </a:p>
+          <a:p>
+            <a:pPr>
+              <a:spcAft>
+                <a:spcPts val="800"/>
+              </a:spcAft>
+            </a:pPr>
+            <a:r>
+              <a:rPr lang="en-SG" sz="1600" dirty="0"/>
+              <a:t>3. Optional/default argument. If the value is not given, it will be default to the specified value defined.</a:t>
+            </a:r>
+          </a:p>
+          <a:p>
+            <a:pPr>
+              <a:spcAft>
+                <a:spcPts val="800"/>
+              </a:spcAft>
+            </a:pPr>
+            <a:r>
+              <a:rPr lang="en-SG" sz="1600" dirty="0"/>
+              <a:t>4. Arbitrary argument list (optional). The values will be passed to a list.</a:t>
+            </a:r>
+          </a:p>
+          <a:p>
+            <a:pPr>
+              <a:spcAft>
+                <a:spcPts val="800"/>
+              </a:spcAft>
+            </a:pPr>
+            <a:r>
+              <a:rPr lang="en-SG" sz="1600" dirty="0"/>
+              <a:t>5. Wait for it…</a:t>
+            </a:r>
+          </a:p>
+          <a:p>
+            <a:pPr>
+              <a:spcAft>
+                <a:spcPts val="800"/>
+              </a:spcAft>
+            </a:pPr>
+            <a:r>
+              <a:rPr lang="en-SG" sz="1600" dirty="0"/>
+              <a:t>6. Body of the function. Contain codes of instructions.</a:t>
+            </a:r>
+          </a:p>
+        </p:txBody>
+      </p:sp>
+      <p:pic>
+        <p:nvPicPr>
+          <p:cNvPr id="10" name="Picture 9">
+            <a:extLst>
+              <a:ext uri="{FF2B5EF4-FFF2-40B4-BE49-F238E27FC236}">
+                <a16:creationId xmlns:a16="http://schemas.microsoft.com/office/drawing/2014/main" id="{6F50F64E-933F-4278-9259-C1E61FAD0D9D}"/>
+              </a:ext>
+            </a:extLst>
+          </p:cNvPr>
+          <p:cNvPicPr>
+            <a:picLocks noChangeAspect="1"/>
+          </p:cNvPicPr>
+          <p:nvPr/>
+        </p:nvPicPr>
+        <p:blipFill>
+          <a:blip r:embed="rId3"/>
+          <a:stretch>
+            <a:fillRect/>
+          </a:stretch>
+        </p:blipFill>
+        <p:spPr>
+          <a:xfrm>
+            <a:off x="5447382" y="2692816"/>
+            <a:ext cx="4615477" cy="832500"/>
+          </a:xfrm>
+          <a:prstGeom prst="rect">
+            <a:avLst/>
+          </a:prstGeom>
+        </p:spPr>
+      </p:pic>
+      <p:sp>
+        <p:nvSpPr>
+          <p:cNvPr id="11" name="Rectangle 10">
+            <a:extLst>
+              <a:ext uri="{FF2B5EF4-FFF2-40B4-BE49-F238E27FC236}">
+                <a16:creationId xmlns:a16="http://schemas.microsoft.com/office/drawing/2014/main" id="{B45A1001-7FE4-4434-8C05-496858F85CED}"/>
+              </a:ext>
+            </a:extLst>
+          </p:cNvPr>
+          <p:cNvSpPr/>
+          <p:nvPr/>
+        </p:nvSpPr>
+        <p:spPr>
+          <a:xfrm>
+            <a:off x="5447382" y="2449956"/>
             <a:ext cx="219465" cy="189476"/>
           </a:xfrm>
           <a:prstGeom prst="rect">
@@ -20746,17 +20821,17 @@
                   </a:outerShdw>
                 </a:effectLst>
               </a:rPr>
-              <a:t>1</a:t>
+              <a:t>0</a:t>
             </a:r>
           </a:p>
         </p:txBody>
       </p:sp>
       <p:sp>
         <p:nvSpPr>
-          <p:cNvPr id="17" name="Rectangle 16">
-            <a:extLst>
-              <a:ext uri="{FF2B5EF4-FFF2-40B4-BE49-F238E27FC236}">
-                <a16:creationId xmlns:a16="http://schemas.microsoft.com/office/drawing/2014/main" id="{5049F4C2-C8BE-44D5-9742-569A44722EB1}"/>
+          <p:cNvPr id="12" name="Rectangle 11">
+            <a:extLst>
+              <a:ext uri="{FF2B5EF4-FFF2-40B4-BE49-F238E27FC236}">
+                <a16:creationId xmlns:a16="http://schemas.microsoft.com/office/drawing/2014/main" id="{3A31CD3B-8D81-46AE-8228-07AD0D30F9F1}"/>
               </a:ext>
             </a:extLst>
           </p:cNvPr>
@@ -20765,7 +20840,7 @@
         </p:nvSpPr>
         <p:spPr>
           <a:xfrm>
-            <a:off x="3473733" y="1536144"/>
+            <a:off x="6501747" y="2449956"/>
             <a:ext cx="219465" cy="189476"/>
           </a:xfrm>
           <a:prstGeom prst="rect">
@@ -20799,17 +20874,17 @@
                   </a:outerShdw>
                 </a:effectLst>
               </a:rPr>
-              <a:t>2</a:t>
+              <a:t>1</a:t>
             </a:r>
           </a:p>
         </p:txBody>
       </p:sp>
       <p:sp>
         <p:nvSpPr>
-          <p:cNvPr id="18" name="Rectangle 17">
-            <a:extLst>
-              <a:ext uri="{FF2B5EF4-FFF2-40B4-BE49-F238E27FC236}">
-                <a16:creationId xmlns:a16="http://schemas.microsoft.com/office/drawing/2014/main" id="{AD36D1D2-6CDB-4FC0-9C49-CC640D2FAFD6}"/>
+          <p:cNvPr id="13" name="Rectangle 12">
+            <a:extLst>
+              <a:ext uri="{FF2B5EF4-FFF2-40B4-BE49-F238E27FC236}">
+                <a16:creationId xmlns:a16="http://schemas.microsoft.com/office/drawing/2014/main" id="{849742DB-DC5C-4C49-A1C7-AB273CBC8752}"/>
               </a:ext>
             </a:extLst>
           </p:cNvPr>
@@ -20818,7 +20893,7 @@
         </p:nvSpPr>
         <p:spPr>
           <a:xfrm>
-            <a:off x="3693198" y="1536144"/>
+            <a:off x="7288781" y="2449956"/>
             <a:ext cx="219465" cy="189476"/>
           </a:xfrm>
           <a:prstGeom prst="rect">
@@ -20852,17 +20927,17 @@
                   </a:outerShdw>
                 </a:effectLst>
               </a:rPr>
-              <a:t>3</a:t>
+              <a:t>2</a:t>
             </a:r>
           </a:p>
         </p:txBody>
       </p:sp>
       <p:sp>
         <p:nvSpPr>
-          <p:cNvPr id="19" name="Rectangle 18">
-            <a:extLst>
-              <a:ext uri="{FF2B5EF4-FFF2-40B4-BE49-F238E27FC236}">
-                <a16:creationId xmlns:a16="http://schemas.microsoft.com/office/drawing/2014/main" id="{FFD18266-DED1-4D56-9E16-BB521BDA0CA8}"/>
+          <p:cNvPr id="14" name="Rectangle 13">
+            <a:extLst>
+              <a:ext uri="{FF2B5EF4-FFF2-40B4-BE49-F238E27FC236}">
+                <a16:creationId xmlns:a16="http://schemas.microsoft.com/office/drawing/2014/main" id="{2F286D24-D6FD-4A8C-A429-8D216B65E375}"/>
               </a:ext>
             </a:extLst>
           </p:cNvPr>
@@ -20871,7 +20946,7 @@
         </p:nvSpPr>
         <p:spPr>
           <a:xfrm>
-            <a:off x="4281172" y="1536144"/>
+            <a:off x="7713537" y="2449627"/>
             <a:ext cx="219465" cy="189476"/>
           </a:xfrm>
           <a:prstGeom prst="rect">
@@ -20905,17 +20980,17 @@
                   </a:outerShdw>
                 </a:effectLst>
               </a:rPr>
-              <a:t>4</a:t>
+              <a:t>3</a:t>
             </a:r>
           </a:p>
         </p:txBody>
       </p:sp>
       <p:sp>
         <p:nvSpPr>
-          <p:cNvPr id="20" name="Rectangle 19">
-            <a:extLst>
-              <a:ext uri="{FF2B5EF4-FFF2-40B4-BE49-F238E27FC236}">
-                <a16:creationId xmlns:a16="http://schemas.microsoft.com/office/drawing/2014/main" id="{4DB1C00C-41FC-42BD-B301-5BA35941368C}"/>
+          <p:cNvPr id="15" name="Rectangle 14">
+            <a:extLst>
+              <a:ext uri="{FF2B5EF4-FFF2-40B4-BE49-F238E27FC236}">
+                <a16:creationId xmlns:a16="http://schemas.microsoft.com/office/drawing/2014/main" id="{C695BBEC-4A38-4D50-A5EB-3149C621576A}"/>
               </a:ext>
             </a:extLst>
           </p:cNvPr>
@@ -20924,7 +20999,7 @@
         </p:nvSpPr>
         <p:spPr>
           <a:xfrm>
-            <a:off x="5429830" y="1536144"/>
+            <a:off x="8390838" y="2449627"/>
             <a:ext cx="219465" cy="189476"/>
           </a:xfrm>
           <a:prstGeom prst="rect">
@@ -20965,10 +21040,10 @@
       </p:sp>
       <p:sp>
         <p:nvSpPr>
-          <p:cNvPr id="21" name="Rectangle 20">
-            <a:extLst>
-              <a:ext uri="{FF2B5EF4-FFF2-40B4-BE49-F238E27FC236}">
-                <a16:creationId xmlns:a16="http://schemas.microsoft.com/office/drawing/2014/main" id="{384111F7-5796-4CB7-BEE1-FC35062ECC2A}"/>
+          <p:cNvPr id="17" name="Rectangle 16">
+            <a:extLst>
+              <a:ext uri="{FF2B5EF4-FFF2-40B4-BE49-F238E27FC236}">
+                <a16:creationId xmlns:a16="http://schemas.microsoft.com/office/drawing/2014/main" id="{1F515364-F92B-4524-BB7A-51F2C53F0866}"/>
               </a:ext>
             </a:extLst>
           </p:cNvPr>
@@ -20977,7 +21052,7 @@
         </p:nvSpPr>
         <p:spPr>
           <a:xfrm>
-            <a:off x="6803558" y="1536144"/>
+            <a:off x="8831752" y="2960944"/>
             <a:ext cx="219465" cy="189476"/>
           </a:xfrm>
           <a:prstGeom prst="rect">
@@ -21011,17 +21086,17 @@
                   </a:outerShdw>
                 </a:effectLst>
               </a:rPr>
-              <a:t>5</a:t>
+              <a:t>6</a:t>
             </a:r>
           </a:p>
         </p:txBody>
       </p:sp>
       <p:sp>
         <p:nvSpPr>
-          <p:cNvPr id="22" name="Rectangle 21">
-            <a:extLst>
-              <a:ext uri="{FF2B5EF4-FFF2-40B4-BE49-F238E27FC236}">
-                <a16:creationId xmlns:a16="http://schemas.microsoft.com/office/drawing/2014/main" id="{95563A9F-A24B-47F2-B79D-AB257059F999}"/>
+          <p:cNvPr id="18" name="Rectangle 17">
+            <a:extLst>
+              <a:ext uri="{FF2B5EF4-FFF2-40B4-BE49-F238E27FC236}">
+                <a16:creationId xmlns:a16="http://schemas.microsoft.com/office/drawing/2014/main" id="{FE5D6483-8B21-4980-A7CA-BF64172A2D09}"/>
               </a:ext>
             </a:extLst>
           </p:cNvPr>
@@ -21030,196 +21105,66 @@
         </p:nvSpPr>
         <p:spPr>
           <a:xfrm>
-            <a:off x="8401630" y="1536144"/>
-            <a:ext cx="219465" cy="189476"/>
+            <a:off x="1000160" y="1053495"/>
+            <a:ext cx="10191675" cy="1200329"/>
           </a:xfrm>
           <a:prstGeom prst="rect">
             <a:avLst/>
           </a:prstGeom>
-          <a:noFill/>
-          <a:ln>
-            <a:solidFill>
-              <a:schemeClr val="tx1"/>
-            </a:solidFill>
-          </a:ln>
+          <a:solidFill>
+            <a:schemeClr val="bg1"/>
+          </a:solidFill>
         </p:spPr>
         <p:txBody>
-          <a:bodyPr wrap="square" lIns="91440" tIns="45720" rIns="91440" bIns="45720" anchor="ctr" anchorCtr="0">
-            <a:noAutofit/>
+          <a:bodyPr wrap="square">
+            <a:spAutoFit/>
           </a:bodyPr>
           <a:lstStyle/>
           <a:p>
-            <a:pPr algn="ctr"/>
-            <a:r>
-              <a:rPr lang="en-US" sz="1200" b="1" cap="none" spc="0" dirty="0">
-                <a:ln w="0"/>
-                <a:solidFill>
-                  <a:schemeClr val="accent1"/>
-                </a:solidFill>
-                <a:effectLst>
-                  <a:outerShdw blurRad="38100" dist="25400" dir="5400000" algn="ctr" rotWithShape="0">
-                    <a:srgbClr val="6E747A">
-                      <a:alpha val="43000"/>
-                    </a:srgbClr>
-                  </a:outerShdw>
-                </a:effectLst>
+            <a:r>
+              <a:rPr lang="en-SG" b="1" dirty="0"/>
+              <a:t>Function</a:t>
+            </a:r>
+            <a:r>
+              <a:rPr lang="en-SG" dirty="0"/>
+              <a:t> is a group of instruction(s).</a:t>
+            </a:r>
+            <a:r>
+              <a:rPr lang="en-SG" sz="1100" dirty="0">
+                <a:hlinkClick r:id="rId4"/>
               </a:rPr>
-              <a:t>5</a:t>
+              <a:t>https://www.w3schools.com/python/python_functions.asp</a:t>
+            </a:r>
+            <a:r>
+              <a:rPr lang="en-SG" sz="1100" dirty="0"/>
+              <a:t>.</a:t>
+            </a:r>
+          </a:p>
+          <a:p>
+            <a:endParaRPr lang="en-SG" dirty="0"/>
+          </a:p>
+          <a:p>
+            <a:r>
+              <a:rPr lang="en-SG" dirty="0"/>
+              <a:t>Consider all of the instructions that the customer ask to get a cup of coffee, it would be easier to be called </a:t>
+            </a:r>
+          </a:p>
+          <a:p>
+            <a:r>
+              <a:rPr lang="en-SG" b="1" dirty="0" err="1"/>
+              <a:t>make_a_cup_of_coffee</a:t>
+            </a:r>
+            <a:r>
+              <a:rPr lang="en-SG" dirty="0"/>
+              <a:t>() .</a:t>
             </a:r>
           </a:p>
         </p:txBody>
       </p:sp>
-      <p:pic>
-        <p:nvPicPr>
-          <p:cNvPr id="35" name="Picture 34">
-            <a:extLst>
-              <a:ext uri="{FF2B5EF4-FFF2-40B4-BE49-F238E27FC236}">
-                <a16:creationId xmlns:a16="http://schemas.microsoft.com/office/drawing/2014/main" id="{8C9DED2C-7E6F-4ED9-AB0B-E8BBBD80B14E}"/>
-              </a:ext>
-            </a:extLst>
-          </p:cNvPr>
-          <p:cNvPicPr>
-            <a:picLocks noChangeAspect="1"/>
-          </p:cNvPicPr>
-          <p:nvPr/>
-        </p:nvPicPr>
-        <p:blipFill>
-          <a:blip r:embed="rId3"/>
-          <a:stretch>
-            <a:fillRect/>
-          </a:stretch>
-        </p:blipFill>
-        <p:spPr>
-          <a:xfrm>
-            <a:off x="838200" y="5053603"/>
-            <a:ext cx="1440922" cy="339039"/>
-          </a:xfrm>
-          <a:prstGeom prst="rect">
-            <a:avLst/>
-          </a:prstGeom>
-        </p:spPr>
-      </p:pic>
-      <p:cxnSp>
-        <p:nvCxnSpPr>
-          <p:cNvPr id="36" name="Straight Connector 35">
-            <a:extLst>
-              <a:ext uri="{FF2B5EF4-FFF2-40B4-BE49-F238E27FC236}">
-                <a16:creationId xmlns:a16="http://schemas.microsoft.com/office/drawing/2014/main" id="{4608C515-4544-467F-8854-E8BE25399A7C}"/>
-              </a:ext>
-            </a:extLst>
-          </p:cNvPr>
-          <p:cNvCxnSpPr>
-            <a:cxnSpLocks/>
-          </p:cNvCxnSpPr>
-          <p:nvPr/>
-        </p:nvCxnSpPr>
-        <p:spPr>
-          <a:xfrm>
-            <a:off x="10856190" y="5549900"/>
-            <a:ext cx="400050" cy="0"/>
-          </a:xfrm>
-          <a:prstGeom prst="line">
-            <a:avLst/>
-          </a:prstGeom>
-        </p:spPr>
-        <p:style>
-          <a:lnRef idx="1">
-            <a:schemeClr val="accent1"/>
-          </a:lnRef>
-          <a:fillRef idx="0">
-            <a:schemeClr val="accent1"/>
-          </a:fillRef>
-          <a:effectRef idx="0">
-            <a:schemeClr val="accent1"/>
-          </a:effectRef>
-          <a:fontRef idx="minor">
-            <a:schemeClr val="tx1"/>
-          </a:fontRef>
-        </p:style>
-      </p:cxnSp>
-      <p:cxnSp>
-        <p:nvCxnSpPr>
-          <p:cNvPr id="37" name="Straight Connector 36">
-            <a:extLst>
-              <a:ext uri="{FF2B5EF4-FFF2-40B4-BE49-F238E27FC236}">
-                <a16:creationId xmlns:a16="http://schemas.microsoft.com/office/drawing/2014/main" id="{27D7BAA5-5AEA-4AE3-8651-AFB07445660D}"/>
-              </a:ext>
-            </a:extLst>
-          </p:cNvPr>
-          <p:cNvCxnSpPr>
-            <a:cxnSpLocks/>
-          </p:cNvCxnSpPr>
-          <p:nvPr/>
-        </p:nvCxnSpPr>
-        <p:spPr>
-          <a:xfrm>
-            <a:off x="11224323" y="5142441"/>
-            <a:ext cx="0" cy="407459"/>
-          </a:xfrm>
-          <a:prstGeom prst="line">
-            <a:avLst/>
-          </a:prstGeom>
-        </p:spPr>
-        <p:style>
-          <a:lnRef idx="1">
-            <a:schemeClr val="accent1"/>
-          </a:lnRef>
-          <a:fillRef idx="0">
-            <a:schemeClr val="accent1"/>
-          </a:fillRef>
-          <a:effectRef idx="0">
-            <a:schemeClr val="accent1"/>
-          </a:effectRef>
-          <a:fontRef idx="minor">
-            <a:schemeClr val="tx1"/>
-          </a:fontRef>
-        </p:style>
-      </p:cxnSp>
-      <p:cxnSp>
-        <p:nvCxnSpPr>
-          <p:cNvPr id="38" name="Straight Arrow Connector 37">
-            <a:extLst>
-              <a:ext uri="{FF2B5EF4-FFF2-40B4-BE49-F238E27FC236}">
-                <a16:creationId xmlns:a16="http://schemas.microsoft.com/office/drawing/2014/main" id="{97A74DDD-6C29-411D-AE6F-867907D48C1F}"/>
-              </a:ext>
-            </a:extLst>
-          </p:cNvPr>
-          <p:cNvCxnSpPr>
-            <a:cxnSpLocks/>
-          </p:cNvCxnSpPr>
-          <p:nvPr/>
-        </p:nvCxnSpPr>
-        <p:spPr>
-          <a:xfrm flipH="1">
-            <a:off x="2045567" y="5142441"/>
-            <a:ext cx="9191455" cy="1"/>
-          </a:xfrm>
-          <a:prstGeom prst="straightConnector1">
-            <a:avLst/>
-          </a:prstGeom>
-          <a:ln>
-            <a:tailEnd type="triangle"/>
-          </a:ln>
-        </p:spPr>
-        <p:style>
-          <a:lnRef idx="1">
-            <a:schemeClr val="accent1"/>
-          </a:lnRef>
-          <a:fillRef idx="0">
-            <a:schemeClr val="accent1"/>
-          </a:fillRef>
-          <a:effectRef idx="0">
-            <a:schemeClr val="accent1"/>
-          </a:effectRef>
-          <a:fontRef idx="minor">
-            <a:schemeClr val="tx1"/>
-          </a:fontRef>
-        </p:style>
-      </p:cxnSp>
     </p:spTree>
     <p:extLst>
       <p:ext uri="{BB962C8B-B14F-4D97-AF65-F5344CB8AC3E}">
-        <p14:creationId xmlns:p14="http://schemas.microsoft.com/office/powerpoint/2010/main" val="3167042328"/>
+        <p14:creationId xmlns:p14="http://schemas.microsoft.com/office/powerpoint/2010/main" val="1242657602"/>
       </p:ext>
     </p:extLst>
   </p:cSld>
@@ -21967,10 +21912,10 @@
       </p:grpSpPr>
       <p:sp>
         <p:nvSpPr>
-          <p:cNvPr id="8" name="Title 1">
-            <a:extLst>
-              <a:ext uri="{FF2B5EF4-FFF2-40B4-BE49-F238E27FC236}">
-                <a16:creationId xmlns:a16="http://schemas.microsoft.com/office/drawing/2014/main" id="{3F0F4D35-0091-455F-AF5A-2F71899D3C16}"/>
+          <p:cNvPr id="4" name="Title 1">
+            <a:extLst>
+              <a:ext uri="{FF2B5EF4-FFF2-40B4-BE49-F238E27FC236}">
+                <a16:creationId xmlns:a16="http://schemas.microsoft.com/office/drawing/2014/main" id="{6BFEC868-6E5E-4C1F-9427-241578AE8691}"/>
               </a:ext>
             </a:extLst>
           </p:cNvPr>
@@ -22015,7 +21960,2039 @@
             <a:pPr algn="ctr"/>
             <a:r>
               <a:rPr lang="en-SG" dirty="0"/>
-              <a:t>V. Functions – Exercise (3/4)</a:t>
+              <a:t>V. Functions (3/6)</a:t>
+            </a:r>
+          </a:p>
+        </p:txBody>
+      </p:sp>
+      <p:sp>
+        <p:nvSpPr>
+          <p:cNvPr id="5" name="Content Placeholder 2">
+            <a:extLst>
+              <a:ext uri="{FF2B5EF4-FFF2-40B4-BE49-F238E27FC236}">
+                <a16:creationId xmlns:a16="http://schemas.microsoft.com/office/drawing/2014/main" id="{0B4C1A48-0D6A-4583-8409-06DDD0A4F451}"/>
+              </a:ext>
+            </a:extLst>
+          </p:cNvPr>
+          <p:cNvSpPr txBox="1">
+            <a:spLocks/>
+          </p:cNvSpPr>
+          <p:nvPr/>
+        </p:nvSpPr>
+        <p:spPr>
+          <a:xfrm>
+            <a:off x="838199" y="1215614"/>
+            <a:ext cx="10515599" cy="5432836"/>
+          </a:xfrm>
+          <a:prstGeom prst="rect">
+            <a:avLst/>
+          </a:prstGeom>
+        </p:spPr>
+        <p:txBody>
+          <a:bodyPr/>
+          <a:lstStyle>
+            <a:lvl1pPr marL="0" indent="0" algn="l" defTabSz="914400" rtl="0" eaLnBrk="1" latinLnBrk="0" hangingPunct="1">
+              <a:lnSpc>
+                <a:spcPct val="90000"/>
+              </a:lnSpc>
+              <a:spcBef>
+                <a:spcPts val="1000"/>
+              </a:spcBef>
+              <a:buClr>
+                <a:srgbClr val="2E7A40"/>
+              </a:buClr>
+              <a:buFont typeface="Arial" panose="020B0604020202020204" pitchFamily="34" charset="0"/>
+              <a:buNone/>
+              <a:defRPr lang="en-US" sz="2400" b="0" i="0" kern="1200" spc="300">
+                <a:solidFill>
+                  <a:schemeClr val="accent6"/>
+                </a:solidFill>
+                <a:latin typeface="+mn-lt"/>
+                <a:ea typeface="+mn-ea"/>
+                <a:cs typeface="Calibri" panose="020F0502020204030204" pitchFamily="34" charset="0"/>
+              </a:defRPr>
+            </a:lvl1pPr>
+            <a:lvl2pPr marL="457200" indent="0" algn="ctr" defTabSz="914400" rtl="0" eaLnBrk="1" latinLnBrk="0" hangingPunct="1">
+              <a:lnSpc>
+                <a:spcPct val="90000"/>
+              </a:lnSpc>
+              <a:spcBef>
+                <a:spcPts val="500"/>
+              </a:spcBef>
+              <a:buClr>
+                <a:srgbClr val="2E7A40"/>
+              </a:buClr>
+              <a:buFont typeface="Arial" panose="020B0604020202020204" pitchFamily="34" charset="0"/>
+              <a:buNone/>
+              <a:defRPr lang="en-US" sz="2000" kern="1200">
+                <a:solidFill>
+                  <a:schemeClr val="tx1"/>
+                </a:solidFill>
+                <a:latin typeface="+mn-lt"/>
+                <a:ea typeface="+mn-ea"/>
+                <a:cs typeface="+mn-cs"/>
+              </a:defRPr>
+            </a:lvl2pPr>
+            <a:lvl3pPr marL="914400" indent="0" algn="ctr" defTabSz="914400" rtl="0" eaLnBrk="1" latinLnBrk="0" hangingPunct="1">
+              <a:lnSpc>
+                <a:spcPct val="90000"/>
+              </a:lnSpc>
+              <a:spcBef>
+                <a:spcPts val="500"/>
+              </a:spcBef>
+              <a:buClr>
+                <a:srgbClr val="2E7A40"/>
+              </a:buClr>
+              <a:buFont typeface="Arial" panose="020B0604020202020204" pitchFamily="34" charset="0"/>
+              <a:buNone/>
+              <a:defRPr lang="en-US" sz="1800" kern="1200">
+                <a:solidFill>
+                  <a:schemeClr val="tx1"/>
+                </a:solidFill>
+                <a:latin typeface="+mn-lt"/>
+                <a:ea typeface="+mn-ea"/>
+                <a:cs typeface="+mn-cs"/>
+              </a:defRPr>
+            </a:lvl3pPr>
+            <a:lvl4pPr marL="1371600" indent="0" algn="ctr" defTabSz="914400" rtl="0" eaLnBrk="1" latinLnBrk="0" hangingPunct="1">
+              <a:lnSpc>
+                <a:spcPct val="90000"/>
+              </a:lnSpc>
+              <a:spcBef>
+                <a:spcPts val="500"/>
+              </a:spcBef>
+              <a:buClr>
+                <a:srgbClr val="2E7A40"/>
+              </a:buClr>
+              <a:buFont typeface="Arial" panose="020B0604020202020204" pitchFamily="34" charset="0"/>
+              <a:buNone/>
+              <a:defRPr lang="en-US" sz="1600" kern="1200">
+                <a:solidFill>
+                  <a:schemeClr val="tx1"/>
+                </a:solidFill>
+                <a:latin typeface="+mn-lt"/>
+                <a:ea typeface="+mn-ea"/>
+                <a:cs typeface="+mn-cs"/>
+              </a:defRPr>
+            </a:lvl4pPr>
+            <a:lvl5pPr marL="1828800" indent="0" algn="ctr" defTabSz="914400" rtl="0" eaLnBrk="1" latinLnBrk="0" hangingPunct="1">
+              <a:lnSpc>
+                <a:spcPct val="90000"/>
+              </a:lnSpc>
+              <a:spcBef>
+                <a:spcPts val="500"/>
+              </a:spcBef>
+              <a:buClr>
+                <a:srgbClr val="2E7A40"/>
+              </a:buClr>
+              <a:buFont typeface="Arial" panose="020B0604020202020204" pitchFamily="34" charset="0"/>
+              <a:buNone/>
+              <a:defRPr lang="en-IN" sz="1600" kern="1200">
+                <a:solidFill>
+                  <a:schemeClr val="tx1"/>
+                </a:solidFill>
+                <a:latin typeface="+mn-lt"/>
+                <a:ea typeface="+mn-ea"/>
+                <a:cs typeface="+mn-cs"/>
+              </a:defRPr>
+            </a:lvl5pPr>
+            <a:lvl6pPr marL="2286000" indent="0" algn="ctr" defTabSz="914400" rtl="0" eaLnBrk="1" latinLnBrk="0" hangingPunct="1">
+              <a:lnSpc>
+                <a:spcPct val="90000"/>
+              </a:lnSpc>
+              <a:spcBef>
+                <a:spcPts val="500"/>
+              </a:spcBef>
+              <a:buFont typeface="Arial" panose="020B0604020202020204" pitchFamily="34" charset="0"/>
+              <a:buNone/>
+              <a:defRPr sz="1600" kern="1200">
+                <a:solidFill>
+                  <a:schemeClr val="tx1"/>
+                </a:solidFill>
+                <a:latin typeface="+mn-lt"/>
+                <a:ea typeface="+mn-ea"/>
+                <a:cs typeface="+mn-cs"/>
+              </a:defRPr>
+            </a:lvl6pPr>
+            <a:lvl7pPr marL="2743200" indent="0" algn="ctr" defTabSz="914400" rtl="0" eaLnBrk="1" latinLnBrk="0" hangingPunct="1">
+              <a:lnSpc>
+                <a:spcPct val="90000"/>
+              </a:lnSpc>
+              <a:spcBef>
+                <a:spcPts val="500"/>
+              </a:spcBef>
+              <a:buFont typeface="Arial" panose="020B0604020202020204" pitchFamily="34" charset="0"/>
+              <a:buNone/>
+              <a:defRPr sz="1600" kern="1200">
+                <a:solidFill>
+                  <a:schemeClr val="tx1"/>
+                </a:solidFill>
+                <a:latin typeface="+mn-lt"/>
+                <a:ea typeface="+mn-ea"/>
+                <a:cs typeface="+mn-cs"/>
+              </a:defRPr>
+            </a:lvl7pPr>
+            <a:lvl8pPr marL="3200400" indent="0" algn="ctr" defTabSz="914400" rtl="0" eaLnBrk="1" latinLnBrk="0" hangingPunct="1">
+              <a:lnSpc>
+                <a:spcPct val="90000"/>
+              </a:lnSpc>
+              <a:spcBef>
+                <a:spcPts val="500"/>
+              </a:spcBef>
+              <a:buFont typeface="Arial" panose="020B0604020202020204" pitchFamily="34" charset="0"/>
+              <a:buNone/>
+              <a:defRPr sz="1600" kern="1200">
+                <a:solidFill>
+                  <a:schemeClr val="tx1"/>
+                </a:solidFill>
+                <a:latin typeface="+mn-lt"/>
+                <a:ea typeface="+mn-ea"/>
+                <a:cs typeface="+mn-cs"/>
+              </a:defRPr>
+            </a:lvl8pPr>
+            <a:lvl9pPr marL="3657600" indent="0" algn="ctr" defTabSz="914400" rtl="0" eaLnBrk="1" latinLnBrk="0" hangingPunct="1">
+              <a:lnSpc>
+                <a:spcPct val="90000"/>
+              </a:lnSpc>
+              <a:spcBef>
+                <a:spcPts val="500"/>
+              </a:spcBef>
+              <a:buFont typeface="Arial" panose="020B0604020202020204" pitchFamily="34" charset="0"/>
+              <a:buNone/>
+              <a:defRPr sz="1600" kern="1200">
+                <a:solidFill>
+                  <a:schemeClr val="tx1"/>
+                </a:solidFill>
+                <a:latin typeface="+mn-lt"/>
+                <a:ea typeface="+mn-ea"/>
+                <a:cs typeface="+mn-cs"/>
+              </a:defRPr>
+            </a:lvl9pPr>
+          </a:lstStyle>
+          <a:p>
+            <a:endParaRPr lang="en-SG" dirty="0"/>
+          </a:p>
+          <a:p>
+            <a:r>
+              <a:rPr lang="en-SG" dirty="0"/>
+              <a:t>						</a:t>
+            </a:r>
+          </a:p>
+        </p:txBody>
+      </p:sp>
+      <p:pic>
+        <p:nvPicPr>
+          <p:cNvPr id="6" name="Content Placeholder 5">
+            <a:extLst>
+              <a:ext uri="{FF2B5EF4-FFF2-40B4-BE49-F238E27FC236}">
+                <a16:creationId xmlns:a16="http://schemas.microsoft.com/office/drawing/2014/main" id="{DEE4DCC5-0134-497D-BB85-F7F36BF5861E}"/>
+              </a:ext>
+            </a:extLst>
+          </p:cNvPr>
+          <p:cNvPicPr>
+            <a:picLocks noChangeAspect="1"/>
+          </p:cNvPicPr>
+          <p:nvPr/>
+        </p:nvPicPr>
+        <p:blipFill>
+          <a:blip r:embed="rId2"/>
+          <a:stretch>
+            <a:fillRect/>
+          </a:stretch>
+        </p:blipFill>
+        <p:spPr>
+          <a:xfrm>
+            <a:off x="1446169" y="3322638"/>
+            <a:ext cx="3457575" cy="3362325"/>
+          </a:xfrm>
+          <a:prstGeom prst="rect">
+            <a:avLst/>
+          </a:prstGeom>
+        </p:spPr>
+      </p:pic>
+      <p:sp>
+        <p:nvSpPr>
+          <p:cNvPr id="7" name="Speech Bubble: Oval 6">
+            <a:extLst>
+              <a:ext uri="{FF2B5EF4-FFF2-40B4-BE49-F238E27FC236}">
+                <a16:creationId xmlns:a16="http://schemas.microsoft.com/office/drawing/2014/main" id="{2A9FCE4B-0078-4D78-B94D-F56F8CBA9312}"/>
+              </a:ext>
+            </a:extLst>
+          </p:cNvPr>
+          <p:cNvSpPr/>
+          <p:nvPr/>
+        </p:nvSpPr>
+        <p:spPr>
+          <a:xfrm>
+            <a:off x="871361" y="2385339"/>
+            <a:ext cx="2937734" cy="1447455"/>
+          </a:xfrm>
+          <a:prstGeom prst="wedgeEllipseCallout">
+            <a:avLst/>
+          </a:prstGeom>
+          <a:solidFill>
+            <a:schemeClr val="bg1"/>
+          </a:solidFill>
+        </p:spPr>
+        <p:style>
+          <a:lnRef idx="2">
+            <a:schemeClr val="accent1">
+              <a:shade val="50000"/>
+            </a:schemeClr>
+          </a:lnRef>
+          <a:fillRef idx="1">
+            <a:schemeClr val="accent1"/>
+          </a:fillRef>
+          <a:effectRef idx="0">
+            <a:schemeClr val="accent1"/>
+          </a:effectRef>
+          <a:fontRef idx="minor">
+            <a:schemeClr val="lt1"/>
+          </a:fontRef>
+        </p:style>
+        <p:txBody>
+          <a:bodyPr wrap="square" rtlCol="0" anchor="ctr"/>
+          <a:lstStyle/>
+          <a:p>
+            <a:r>
+              <a:rPr lang="en-SG" sz="1100" dirty="0">
+                <a:solidFill>
+                  <a:schemeClr val="tx1"/>
+                </a:solidFill>
+                <a:latin typeface="Comic Sans MS" panose="030F0702030302020204" pitchFamily="66" charset="0"/>
+              </a:rPr>
+              <a:t>Hi, please:</a:t>
+            </a:r>
+          </a:p>
+          <a:p>
+            <a:r>
+              <a:rPr lang="en-SG" sz="1100" dirty="0">
+                <a:solidFill>
+                  <a:schemeClr val="tx1"/>
+                </a:solidFill>
+                <a:latin typeface="Comic Sans MS" panose="030F0702030302020204" pitchFamily="66" charset="0"/>
+              </a:rPr>
+              <a:t>Grind bean with arabica 70% and </a:t>
+            </a:r>
+            <a:r>
+              <a:rPr lang="en-SG" sz="1100" dirty="0" err="1">
+                <a:solidFill>
+                  <a:schemeClr val="tx1"/>
+                </a:solidFill>
+                <a:latin typeface="Comic Sans MS" panose="030F0702030302020204" pitchFamily="66" charset="0"/>
+              </a:rPr>
+              <a:t>robusta</a:t>
+            </a:r>
+            <a:r>
+              <a:rPr lang="en-SG" sz="1100" dirty="0">
+                <a:solidFill>
+                  <a:schemeClr val="tx1"/>
+                </a:solidFill>
+                <a:latin typeface="Comic Sans MS" panose="030F0702030302020204" pitchFamily="66" charset="0"/>
+              </a:rPr>
+              <a:t> 30% ratio. Add 1 shot of milk. Add 2 spoon of sugar. And add cocoa and </a:t>
+            </a:r>
+            <a:r>
+              <a:rPr lang="en-SG" sz="1100" dirty="0" err="1">
+                <a:solidFill>
+                  <a:schemeClr val="tx1"/>
+                </a:solidFill>
+                <a:latin typeface="Comic Sans MS" panose="030F0702030302020204" pitchFamily="66" charset="0"/>
+              </a:rPr>
+              <a:t>whipcream</a:t>
+            </a:r>
+            <a:r>
+              <a:rPr lang="en-SG" sz="1100" dirty="0">
+                <a:solidFill>
+                  <a:schemeClr val="tx1"/>
+                </a:solidFill>
+                <a:latin typeface="Comic Sans MS" panose="030F0702030302020204" pitchFamily="66" charset="0"/>
+              </a:rPr>
+              <a:t>.</a:t>
+            </a:r>
+          </a:p>
+        </p:txBody>
+      </p:sp>
+      <p:sp>
+        <p:nvSpPr>
+          <p:cNvPr id="8" name="TextBox 7">
+            <a:extLst>
+              <a:ext uri="{FF2B5EF4-FFF2-40B4-BE49-F238E27FC236}">
+                <a16:creationId xmlns:a16="http://schemas.microsoft.com/office/drawing/2014/main" id="{230826BE-D752-4BA8-94BB-6EB1B89F076E}"/>
+              </a:ext>
+            </a:extLst>
+          </p:cNvPr>
+          <p:cNvSpPr txBox="1"/>
+          <p:nvPr/>
+        </p:nvSpPr>
+        <p:spPr>
+          <a:xfrm>
+            <a:off x="5355801" y="1946814"/>
+            <a:ext cx="6260465" cy="4701636"/>
+          </a:xfrm>
+          <a:prstGeom prst="rect">
+            <a:avLst/>
+          </a:prstGeom>
+          <a:solidFill>
+            <a:schemeClr val="bg1"/>
+          </a:solidFill>
+          <a:ln>
+            <a:solidFill>
+              <a:schemeClr val="tx1"/>
+            </a:solidFill>
+          </a:ln>
+        </p:spPr>
+        <p:txBody>
+          <a:bodyPr wrap="square" rtlCol="0">
+            <a:noAutofit/>
+          </a:bodyPr>
+          <a:lstStyle/>
+          <a:p>
+            <a:r>
+              <a:rPr lang="en-SG" dirty="0"/>
+              <a:t>Structure of a function.</a:t>
+            </a:r>
+          </a:p>
+          <a:p>
+            <a:endParaRPr lang="en-SG" dirty="0"/>
+          </a:p>
+          <a:p>
+            <a:endParaRPr lang="en-SG" dirty="0"/>
+          </a:p>
+          <a:p>
+            <a:endParaRPr lang="en-SG" dirty="0"/>
+          </a:p>
+          <a:p>
+            <a:endParaRPr lang="en-SG" dirty="0"/>
+          </a:p>
+          <a:p>
+            <a:endParaRPr lang="en-SG" sz="1600" dirty="0"/>
+          </a:p>
+          <a:p>
+            <a:pPr>
+              <a:spcAft>
+                <a:spcPts val="800"/>
+              </a:spcAft>
+            </a:pPr>
+            <a:r>
+              <a:rPr lang="en-SG" sz="1600" dirty="0"/>
+              <a:t>0. Key word </a:t>
+            </a:r>
+            <a:r>
+              <a:rPr lang="en-SG" sz="1600" b="1" dirty="0">
+                <a:solidFill>
+                  <a:schemeClr val="accent1"/>
+                </a:solidFill>
+              </a:rPr>
+              <a:t>def</a:t>
+            </a:r>
+            <a:r>
+              <a:rPr lang="en-SG" sz="1600" dirty="0"/>
+              <a:t> is needed to </a:t>
+            </a:r>
+            <a:r>
+              <a:rPr lang="en-SG" sz="1600" i="1" dirty="0"/>
+              <a:t>define</a:t>
+            </a:r>
+            <a:r>
+              <a:rPr lang="en-SG" sz="1600" dirty="0"/>
+              <a:t> the function. Function need to be defined before it can be used.</a:t>
+            </a:r>
+          </a:p>
+          <a:p>
+            <a:pPr marL="342900" indent="-342900">
+              <a:spcAft>
+                <a:spcPts val="800"/>
+              </a:spcAft>
+              <a:buAutoNum type="arabicPeriod"/>
+            </a:pPr>
+            <a:r>
+              <a:rPr lang="en-SG" sz="1600" dirty="0"/>
+              <a:t>Name of the function. It follows variable naming convention.</a:t>
+            </a:r>
+          </a:p>
+          <a:p>
+            <a:pPr>
+              <a:spcAft>
+                <a:spcPts val="800"/>
+              </a:spcAft>
+            </a:pPr>
+            <a:r>
+              <a:rPr lang="en-SG" sz="1600" dirty="0"/>
+              <a:t>2. Mandatory </a:t>
+            </a:r>
+            <a:r>
+              <a:rPr lang="en-SG" sz="1600" i="1" dirty="0"/>
+              <a:t>argument</a:t>
+            </a:r>
+            <a:r>
+              <a:rPr lang="en-SG" sz="1600" dirty="0"/>
+              <a:t>. This will be the value given to the function.</a:t>
+            </a:r>
+          </a:p>
+          <a:p>
+            <a:pPr>
+              <a:spcAft>
+                <a:spcPts val="800"/>
+              </a:spcAft>
+            </a:pPr>
+            <a:r>
+              <a:rPr lang="en-SG" sz="1600" dirty="0"/>
+              <a:t>3. Optional/default argument. If the value is not given, it will be default to the specified value defined.</a:t>
+            </a:r>
+          </a:p>
+          <a:p>
+            <a:pPr>
+              <a:spcAft>
+                <a:spcPts val="800"/>
+              </a:spcAft>
+            </a:pPr>
+            <a:r>
+              <a:rPr lang="en-SG" sz="1600" dirty="0"/>
+              <a:t>4. Arbitrary argument list (optional). The values will be passed to a list.</a:t>
+            </a:r>
+          </a:p>
+          <a:p>
+            <a:pPr>
+              <a:spcAft>
+                <a:spcPts val="800"/>
+              </a:spcAft>
+            </a:pPr>
+            <a:r>
+              <a:rPr lang="en-SG" sz="1600" dirty="0"/>
+              <a:t>5. Arbitrary named arguments. The values will be passed to a dictionary.</a:t>
+            </a:r>
+          </a:p>
+          <a:p>
+            <a:pPr>
+              <a:spcAft>
+                <a:spcPts val="800"/>
+              </a:spcAft>
+            </a:pPr>
+            <a:r>
+              <a:rPr lang="en-SG" sz="1600" dirty="0"/>
+              <a:t>6. Body of the function. Contain codes of instructions.</a:t>
+            </a:r>
+          </a:p>
+        </p:txBody>
+      </p:sp>
+      <p:pic>
+        <p:nvPicPr>
+          <p:cNvPr id="10" name="Picture 9">
+            <a:extLst>
+              <a:ext uri="{FF2B5EF4-FFF2-40B4-BE49-F238E27FC236}">
+                <a16:creationId xmlns:a16="http://schemas.microsoft.com/office/drawing/2014/main" id="{6F50F64E-933F-4278-9259-C1E61FAD0D9D}"/>
+              </a:ext>
+            </a:extLst>
+          </p:cNvPr>
+          <p:cNvPicPr>
+            <a:picLocks noChangeAspect="1"/>
+          </p:cNvPicPr>
+          <p:nvPr/>
+        </p:nvPicPr>
+        <p:blipFill>
+          <a:blip r:embed="rId3"/>
+          <a:stretch>
+            <a:fillRect/>
+          </a:stretch>
+        </p:blipFill>
+        <p:spPr>
+          <a:xfrm>
+            <a:off x="5447382" y="2692816"/>
+            <a:ext cx="4615477" cy="832500"/>
+          </a:xfrm>
+          <a:prstGeom prst="rect">
+            <a:avLst/>
+          </a:prstGeom>
+        </p:spPr>
+      </p:pic>
+      <p:sp>
+        <p:nvSpPr>
+          <p:cNvPr id="11" name="Rectangle 10">
+            <a:extLst>
+              <a:ext uri="{FF2B5EF4-FFF2-40B4-BE49-F238E27FC236}">
+                <a16:creationId xmlns:a16="http://schemas.microsoft.com/office/drawing/2014/main" id="{B45A1001-7FE4-4434-8C05-496858F85CED}"/>
+              </a:ext>
+            </a:extLst>
+          </p:cNvPr>
+          <p:cNvSpPr/>
+          <p:nvPr/>
+        </p:nvSpPr>
+        <p:spPr>
+          <a:xfrm>
+            <a:off x="5447382" y="2449956"/>
+            <a:ext cx="219465" cy="189476"/>
+          </a:xfrm>
+          <a:prstGeom prst="rect">
+            <a:avLst/>
+          </a:prstGeom>
+          <a:noFill/>
+          <a:ln>
+            <a:solidFill>
+              <a:schemeClr val="tx1"/>
+            </a:solidFill>
+          </a:ln>
+        </p:spPr>
+        <p:txBody>
+          <a:bodyPr wrap="square" lIns="91440" tIns="45720" rIns="91440" bIns="45720" anchor="ctr" anchorCtr="0">
+            <a:noAutofit/>
+          </a:bodyPr>
+          <a:lstStyle/>
+          <a:p>
+            <a:pPr algn="ctr"/>
+            <a:r>
+              <a:rPr lang="en-US" sz="1200" b="1" cap="none" spc="0" dirty="0">
+                <a:ln w="0"/>
+                <a:solidFill>
+                  <a:schemeClr val="accent1"/>
+                </a:solidFill>
+                <a:effectLst>
+                  <a:outerShdw blurRad="38100" dist="25400" dir="5400000" algn="ctr" rotWithShape="0">
+                    <a:srgbClr val="6E747A">
+                      <a:alpha val="43000"/>
+                    </a:srgbClr>
+                  </a:outerShdw>
+                </a:effectLst>
+              </a:rPr>
+              <a:t>0</a:t>
+            </a:r>
+          </a:p>
+        </p:txBody>
+      </p:sp>
+      <p:sp>
+        <p:nvSpPr>
+          <p:cNvPr id="12" name="Rectangle 11">
+            <a:extLst>
+              <a:ext uri="{FF2B5EF4-FFF2-40B4-BE49-F238E27FC236}">
+                <a16:creationId xmlns:a16="http://schemas.microsoft.com/office/drawing/2014/main" id="{3A31CD3B-8D81-46AE-8228-07AD0D30F9F1}"/>
+              </a:ext>
+            </a:extLst>
+          </p:cNvPr>
+          <p:cNvSpPr/>
+          <p:nvPr/>
+        </p:nvSpPr>
+        <p:spPr>
+          <a:xfrm>
+            <a:off x="6501747" y="2449956"/>
+            <a:ext cx="219465" cy="189476"/>
+          </a:xfrm>
+          <a:prstGeom prst="rect">
+            <a:avLst/>
+          </a:prstGeom>
+          <a:noFill/>
+          <a:ln>
+            <a:solidFill>
+              <a:schemeClr val="tx1"/>
+            </a:solidFill>
+          </a:ln>
+        </p:spPr>
+        <p:txBody>
+          <a:bodyPr wrap="square" lIns="91440" tIns="45720" rIns="91440" bIns="45720" anchor="ctr" anchorCtr="0">
+            <a:noAutofit/>
+          </a:bodyPr>
+          <a:lstStyle/>
+          <a:p>
+            <a:pPr algn="ctr"/>
+            <a:r>
+              <a:rPr lang="en-US" sz="1200" b="1" cap="none" spc="0" dirty="0">
+                <a:ln w="0"/>
+                <a:solidFill>
+                  <a:schemeClr val="accent1"/>
+                </a:solidFill>
+                <a:effectLst>
+                  <a:outerShdw blurRad="38100" dist="25400" dir="5400000" algn="ctr" rotWithShape="0">
+                    <a:srgbClr val="6E747A">
+                      <a:alpha val="43000"/>
+                    </a:srgbClr>
+                  </a:outerShdw>
+                </a:effectLst>
+              </a:rPr>
+              <a:t>1</a:t>
+            </a:r>
+          </a:p>
+        </p:txBody>
+      </p:sp>
+      <p:sp>
+        <p:nvSpPr>
+          <p:cNvPr id="13" name="Rectangle 12">
+            <a:extLst>
+              <a:ext uri="{FF2B5EF4-FFF2-40B4-BE49-F238E27FC236}">
+                <a16:creationId xmlns:a16="http://schemas.microsoft.com/office/drawing/2014/main" id="{849742DB-DC5C-4C49-A1C7-AB273CBC8752}"/>
+              </a:ext>
+            </a:extLst>
+          </p:cNvPr>
+          <p:cNvSpPr/>
+          <p:nvPr/>
+        </p:nvSpPr>
+        <p:spPr>
+          <a:xfrm>
+            <a:off x="7288781" y="2449956"/>
+            <a:ext cx="219465" cy="189476"/>
+          </a:xfrm>
+          <a:prstGeom prst="rect">
+            <a:avLst/>
+          </a:prstGeom>
+          <a:noFill/>
+          <a:ln>
+            <a:solidFill>
+              <a:schemeClr val="tx1"/>
+            </a:solidFill>
+          </a:ln>
+        </p:spPr>
+        <p:txBody>
+          <a:bodyPr wrap="square" lIns="91440" tIns="45720" rIns="91440" bIns="45720" anchor="ctr" anchorCtr="0">
+            <a:noAutofit/>
+          </a:bodyPr>
+          <a:lstStyle/>
+          <a:p>
+            <a:pPr algn="ctr"/>
+            <a:r>
+              <a:rPr lang="en-US" sz="1200" b="1" cap="none" spc="0" dirty="0">
+                <a:ln w="0"/>
+                <a:solidFill>
+                  <a:schemeClr val="accent1"/>
+                </a:solidFill>
+                <a:effectLst>
+                  <a:outerShdw blurRad="38100" dist="25400" dir="5400000" algn="ctr" rotWithShape="0">
+                    <a:srgbClr val="6E747A">
+                      <a:alpha val="43000"/>
+                    </a:srgbClr>
+                  </a:outerShdw>
+                </a:effectLst>
+              </a:rPr>
+              <a:t>2</a:t>
+            </a:r>
+          </a:p>
+        </p:txBody>
+      </p:sp>
+      <p:sp>
+        <p:nvSpPr>
+          <p:cNvPr id="14" name="Rectangle 13">
+            <a:extLst>
+              <a:ext uri="{FF2B5EF4-FFF2-40B4-BE49-F238E27FC236}">
+                <a16:creationId xmlns:a16="http://schemas.microsoft.com/office/drawing/2014/main" id="{2F286D24-D6FD-4A8C-A429-8D216B65E375}"/>
+              </a:ext>
+            </a:extLst>
+          </p:cNvPr>
+          <p:cNvSpPr/>
+          <p:nvPr/>
+        </p:nvSpPr>
+        <p:spPr>
+          <a:xfrm>
+            <a:off x="7713537" y="2449627"/>
+            <a:ext cx="219465" cy="189476"/>
+          </a:xfrm>
+          <a:prstGeom prst="rect">
+            <a:avLst/>
+          </a:prstGeom>
+          <a:noFill/>
+          <a:ln>
+            <a:solidFill>
+              <a:schemeClr val="tx1"/>
+            </a:solidFill>
+          </a:ln>
+        </p:spPr>
+        <p:txBody>
+          <a:bodyPr wrap="square" lIns="91440" tIns="45720" rIns="91440" bIns="45720" anchor="ctr" anchorCtr="0">
+            <a:noAutofit/>
+          </a:bodyPr>
+          <a:lstStyle/>
+          <a:p>
+            <a:pPr algn="ctr"/>
+            <a:r>
+              <a:rPr lang="en-US" sz="1200" b="1" cap="none" spc="0" dirty="0">
+                <a:ln w="0"/>
+                <a:solidFill>
+                  <a:schemeClr val="accent1"/>
+                </a:solidFill>
+                <a:effectLst>
+                  <a:outerShdw blurRad="38100" dist="25400" dir="5400000" algn="ctr" rotWithShape="0">
+                    <a:srgbClr val="6E747A">
+                      <a:alpha val="43000"/>
+                    </a:srgbClr>
+                  </a:outerShdw>
+                </a:effectLst>
+              </a:rPr>
+              <a:t>3</a:t>
+            </a:r>
+          </a:p>
+        </p:txBody>
+      </p:sp>
+      <p:sp>
+        <p:nvSpPr>
+          <p:cNvPr id="15" name="Rectangle 14">
+            <a:extLst>
+              <a:ext uri="{FF2B5EF4-FFF2-40B4-BE49-F238E27FC236}">
+                <a16:creationId xmlns:a16="http://schemas.microsoft.com/office/drawing/2014/main" id="{C695BBEC-4A38-4D50-A5EB-3149C621576A}"/>
+              </a:ext>
+            </a:extLst>
+          </p:cNvPr>
+          <p:cNvSpPr/>
+          <p:nvPr/>
+        </p:nvSpPr>
+        <p:spPr>
+          <a:xfrm>
+            <a:off x="8390838" y="2449627"/>
+            <a:ext cx="219465" cy="189476"/>
+          </a:xfrm>
+          <a:prstGeom prst="rect">
+            <a:avLst/>
+          </a:prstGeom>
+          <a:noFill/>
+          <a:ln>
+            <a:solidFill>
+              <a:schemeClr val="tx1"/>
+            </a:solidFill>
+          </a:ln>
+        </p:spPr>
+        <p:txBody>
+          <a:bodyPr wrap="square" lIns="91440" tIns="45720" rIns="91440" bIns="45720" anchor="ctr" anchorCtr="0">
+            <a:noAutofit/>
+          </a:bodyPr>
+          <a:lstStyle/>
+          <a:p>
+            <a:pPr algn="ctr"/>
+            <a:r>
+              <a:rPr lang="en-US" sz="1200" b="1" cap="none" spc="0" dirty="0">
+                <a:ln w="0"/>
+                <a:solidFill>
+                  <a:schemeClr val="accent1"/>
+                </a:solidFill>
+                <a:effectLst>
+                  <a:outerShdw blurRad="38100" dist="25400" dir="5400000" algn="ctr" rotWithShape="0">
+                    <a:srgbClr val="6E747A">
+                      <a:alpha val="43000"/>
+                    </a:srgbClr>
+                  </a:outerShdw>
+                </a:effectLst>
+              </a:rPr>
+              <a:t>4</a:t>
+            </a:r>
+          </a:p>
+        </p:txBody>
+      </p:sp>
+      <p:sp>
+        <p:nvSpPr>
+          <p:cNvPr id="16" name="Rectangle 15">
+            <a:extLst>
+              <a:ext uri="{FF2B5EF4-FFF2-40B4-BE49-F238E27FC236}">
+                <a16:creationId xmlns:a16="http://schemas.microsoft.com/office/drawing/2014/main" id="{ACFB4DA0-71BB-4A1D-BFC8-FDD59E6DF8A7}"/>
+              </a:ext>
+            </a:extLst>
+          </p:cNvPr>
+          <p:cNvSpPr/>
+          <p:nvPr/>
+        </p:nvSpPr>
+        <p:spPr>
+          <a:xfrm>
+            <a:off x="9104985" y="2449627"/>
+            <a:ext cx="219465" cy="189476"/>
+          </a:xfrm>
+          <a:prstGeom prst="rect">
+            <a:avLst/>
+          </a:prstGeom>
+          <a:noFill/>
+          <a:ln>
+            <a:solidFill>
+              <a:schemeClr val="tx1"/>
+            </a:solidFill>
+          </a:ln>
+        </p:spPr>
+        <p:txBody>
+          <a:bodyPr wrap="square" lIns="91440" tIns="45720" rIns="91440" bIns="45720" anchor="ctr" anchorCtr="0">
+            <a:noAutofit/>
+          </a:bodyPr>
+          <a:lstStyle/>
+          <a:p>
+            <a:pPr algn="ctr"/>
+            <a:r>
+              <a:rPr lang="en-US" sz="1200" b="1" cap="none" spc="0" dirty="0">
+                <a:ln w="0"/>
+                <a:solidFill>
+                  <a:schemeClr val="accent1"/>
+                </a:solidFill>
+                <a:effectLst>
+                  <a:outerShdw blurRad="38100" dist="25400" dir="5400000" algn="ctr" rotWithShape="0">
+                    <a:srgbClr val="6E747A">
+                      <a:alpha val="43000"/>
+                    </a:srgbClr>
+                  </a:outerShdw>
+                </a:effectLst>
+              </a:rPr>
+              <a:t>5</a:t>
+            </a:r>
+          </a:p>
+        </p:txBody>
+      </p:sp>
+      <p:sp>
+        <p:nvSpPr>
+          <p:cNvPr id="17" name="Rectangle 16">
+            <a:extLst>
+              <a:ext uri="{FF2B5EF4-FFF2-40B4-BE49-F238E27FC236}">
+                <a16:creationId xmlns:a16="http://schemas.microsoft.com/office/drawing/2014/main" id="{1F515364-F92B-4524-BB7A-51F2C53F0866}"/>
+              </a:ext>
+            </a:extLst>
+          </p:cNvPr>
+          <p:cNvSpPr/>
+          <p:nvPr/>
+        </p:nvSpPr>
+        <p:spPr>
+          <a:xfrm>
+            <a:off x="8831752" y="2960944"/>
+            <a:ext cx="219465" cy="189476"/>
+          </a:xfrm>
+          <a:prstGeom prst="rect">
+            <a:avLst/>
+          </a:prstGeom>
+          <a:noFill/>
+          <a:ln>
+            <a:solidFill>
+              <a:schemeClr val="tx1"/>
+            </a:solidFill>
+          </a:ln>
+        </p:spPr>
+        <p:txBody>
+          <a:bodyPr wrap="square" lIns="91440" tIns="45720" rIns="91440" bIns="45720" anchor="ctr" anchorCtr="0">
+            <a:noAutofit/>
+          </a:bodyPr>
+          <a:lstStyle/>
+          <a:p>
+            <a:pPr algn="ctr"/>
+            <a:r>
+              <a:rPr lang="en-US" sz="1200" b="1" cap="none" spc="0" dirty="0">
+                <a:ln w="0"/>
+                <a:solidFill>
+                  <a:schemeClr val="accent1"/>
+                </a:solidFill>
+                <a:effectLst>
+                  <a:outerShdw blurRad="38100" dist="25400" dir="5400000" algn="ctr" rotWithShape="0">
+                    <a:srgbClr val="6E747A">
+                      <a:alpha val="43000"/>
+                    </a:srgbClr>
+                  </a:outerShdw>
+                </a:effectLst>
+              </a:rPr>
+              <a:t>6</a:t>
+            </a:r>
+          </a:p>
+        </p:txBody>
+      </p:sp>
+      <p:sp>
+        <p:nvSpPr>
+          <p:cNvPr id="18" name="Rectangle 17">
+            <a:extLst>
+              <a:ext uri="{FF2B5EF4-FFF2-40B4-BE49-F238E27FC236}">
+                <a16:creationId xmlns:a16="http://schemas.microsoft.com/office/drawing/2014/main" id="{FE5D6483-8B21-4980-A7CA-BF64172A2D09}"/>
+              </a:ext>
+            </a:extLst>
+          </p:cNvPr>
+          <p:cNvSpPr/>
+          <p:nvPr/>
+        </p:nvSpPr>
+        <p:spPr>
+          <a:xfrm>
+            <a:off x="1000160" y="1053495"/>
+            <a:ext cx="10191675" cy="1200329"/>
+          </a:xfrm>
+          <a:prstGeom prst="rect">
+            <a:avLst/>
+          </a:prstGeom>
+          <a:solidFill>
+            <a:schemeClr val="bg1"/>
+          </a:solidFill>
+        </p:spPr>
+        <p:txBody>
+          <a:bodyPr wrap="square">
+            <a:spAutoFit/>
+          </a:bodyPr>
+          <a:lstStyle/>
+          <a:p>
+            <a:r>
+              <a:rPr lang="en-SG" b="1" dirty="0"/>
+              <a:t>Function</a:t>
+            </a:r>
+            <a:r>
+              <a:rPr lang="en-SG" dirty="0"/>
+              <a:t> is a group of instruction(s).</a:t>
+            </a:r>
+            <a:r>
+              <a:rPr lang="en-SG" sz="1100" dirty="0">
+                <a:hlinkClick r:id="rId4"/>
+              </a:rPr>
+              <a:t>https://www.w3schools.com/python/python_functions.asp</a:t>
+            </a:r>
+            <a:r>
+              <a:rPr lang="en-SG" sz="1100" dirty="0"/>
+              <a:t>.</a:t>
+            </a:r>
+          </a:p>
+          <a:p>
+            <a:endParaRPr lang="en-SG" dirty="0"/>
+          </a:p>
+          <a:p>
+            <a:r>
+              <a:rPr lang="en-SG" dirty="0"/>
+              <a:t>Consider all of the instructions that the customer ask to get a cup of coffee, it would be easier to be called </a:t>
+            </a:r>
+          </a:p>
+          <a:p>
+            <a:r>
+              <a:rPr lang="en-SG" b="1" dirty="0" err="1"/>
+              <a:t>make_a_cup_of_coffee</a:t>
+            </a:r>
+            <a:r>
+              <a:rPr lang="en-SG" dirty="0"/>
+              <a:t>() .</a:t>
+            </a:r>
+          </a:p>
+        </p:txBody>
+      </p:sp>
+    </p:spTree>
+    <p:extLst>
+      <p:ext uri="{BB962C8B-B14F-4D97-AF65-F5344CB8AC3E}">
+        <p14:creationId xmlns:p14="http://schemas.microsoft.com/office/powerpoint/2010/main" val="701126155"/>
+      </p:ext>
+    </p:extLst>
+  </p:cSld>
+  <p:clrMapOvr>
+    <a:masterClrMapping/>
+  </p:clrMapOvr>
+</p:sld>
+</file>
+
+<file path=ppt/slides/slide21.xml><?xml version="1.0" encoding="utf-8"?>
+<p:sld xmlns:a="http://schemas.openxmlformats.org/drawingml/2006/main" xmlns:r="http://schemas.openxmlformats.org/officeDocument/2006/relationships" xmlns:p="http://schemas.openxmlformats.org/presentationml/2006/main">
+  <p:cSld>
+    <p:spTree>
+      <p:nvGrpSpPr>
+        <p:cNvPr id="1" name=""/>
+        <p:cNvGrpSpPr/>
+        <p:nvPr/>
+      </p:nvGrpSpPr>
+      <p:grpSpPr>
+        <a:xfrm>
+          <a:off x="0" y="0"/>
+          <a:ext cx="0" cy="0"/>
+          <a:chOff x="0" y="0"/>
+          <a:chExt cx="0" cy="0"/>
+        </a:xfrm>
+      </p:grpSpPr>
+      <p:sp>
+        <p:nvSpPr>
+          <p:cNvPr id="4" name="Title 1">
+            <a:extLst>
+              <a:ext uri="{FF2B5EF4-FFF2-40B4-BE49-F238E27FC236}">
+                <a16:creationId xmlns:a16="http://schemas.microsoft.com/office/drawing/2014/main" id="{D81F7305-D163-4A5A-973B-7766ED7E728C}"/>
+              </a:ext>
+            </a:extLst>
+          </p:cNvPr>
+          <p:cNvSpPr txBox="1">
+            <a:spLocks/>
+          </p:cNvSpPr>
+          <p:nvPr/>
+        </p:nvSpPr>
+        <p:spPr>
+          <a:xfrm>
+            <a:off x="838200" y="365125"/>
+            <a:ext cx="10515600" cy="678815"/>
+          </a:xfrm>
+          <a:prstGeom prst="rect">
+            <a:avLst/>
+          </a:prstGeom>
+        </p:spPr>
+        <p:txBody>
+          <a:bodyPr vert="horz" lIns="91440" tIns="45720" rIns="91440" bIns="0" rtlCol="0" anchor="b">
+            <a:normAutofit/>
+          </a:bodyPr>
+          <a:lstStyle>
+            <a:lvl1pPr algn="l" defTabSz="914400" rtl="0" eaLnBrk="1" latinLnBrk="0" hangingPunct="1">
+              <a:lnSpc>
+                <a:spcPct val="90000"/>
+              </a:lnSpc>
+              <a:spcBef>
+                <a:spcPct val="0"/>
+              </a:spcBef>
+              <a:buNone/>
+              <a:defRPr lang="en-IN" sz="4300" b="1" kern="1200">
+                <a:solidFill>
+                  <a:schemeClr val="accent1"/>
+                </a:solidFill>
+                <a:latin typeface="+mj-lt"/>
+                <a:ea typeface="+mj-ea"/>
+                <a:cs typeface="+mj-cs"/>
+              </a:defRPr>
+            </a:lvl1pPr>
+          </a:lstStyle>
+          <a:p>
+            <a:pPr algn="ctr"/>
+            <a:r>
+              <a:rPr lang="en-SG" dirty="0"/>
+              <a:t>V. Functions (4/6)</a:t>
+            </a:r>
+          </a:p>
+        </p:txBody>
+      </p:sp>
+      <p:sp>
+        <p:nvSpPr>
+          <p:cNvPr id="5" name="Content Placeholder 2">
+            <a:extLst>
+              <a:ext uri="{FF2B5EF4-FFF2-40B4-BE49-F238E27FC236}">
+                <a16:creationId xmlns:a16="http://schemas.microsoft.com/office/drawing/2014/main" id="{118E60AF-D55C-401F-968A-0D1EB42B38F5}"/>
+              </a:ext>
+            </a:extLst>
+          </p:cNvPr>
+          <p:cNvSpPr txBox="1">
+            <a:spLocks/>
+          </p:cNvSpPr>
+          <p:nvPr/>
+        </p:nvSpPr>
+        <p:spPr>
+          <a:xfrm>
+            <a:off x="321733" y="1186143"/>
+            <a:ext cx="11032067" cy="5306731"/>
+          </a:xfrm>
+          <a:prstGeom prst="rect">
+            <a:avLst/>
+          </a:prstGeom>
+          <a:ln>
+            <a:solidFill>
+              <a:schemeClr val="tx1"/>
+            </a:solidFill>
+          </a:ln>
+        </p:spPr>
+        <p:txBody>
+          <a:bodyPr>
+            <a:noAutofit/>
+          </a:bodyPr>
+          <a:lstStyle>
+            <a:lvl1pPr marL="0" indent="0" algn="l" defTabSz="914400" rtl="0" eaLnBrk="1" latinLnBrk="0" hangingPunct="1">
+              <a:lnSpc>
+                <a:spcPct val="90000"/>
+              </a:lnSpc>
+              <a:spcBef>
+                <a:spcPts val="1000"/>
+              </a:spcBef>
+              <a:buClr>
+                <a:srgbClr val="2E7A40"/>
+              </a:buClr>
+              <a:buFont typeface="Arial" panose="020B0604020202020204" pitchFamily="34" charset="0"/>
+              <a:buNone/>
+              <a:defRPr lang="en-US" sz="2400" b="0" i="0" kern="1200" spc="300">
+                <a:solidFill>
+                  <a:schemeClr val="accent6"/>
+                </a:solidFill>
+                <a:latin typeface="+mn-lt"/>
+                <a:ea typeface="+mn-ea"/>
+                <a:cs typeface="Calibri" panose="020F0502020204030204" pitchFamily="34" charset="0"/>
+              </a:defRPr>
+            </a:lvl1pPr>
+            <a:lvl2pPr marL="457200" indent="0" algn="ctr" defTabSz="914400" rtl="0" eaLnBrk="1" latinLnBrk="0" hangingPunct="1">
+              <a:lnSpc>
+                <a:spcPct val="90000"/>
+              </a:lnSpc>
+              <a:spcBef>
+                <a:spcPts val="500"/>
+              </a:spcBef>
+              <a:buClr>
+                <a:srgbClr val="2E7A40"/>
+              </a:buClr>
+              <a:buFont typeface="Arial" panose="020B0604020202020204" pitchFamily="34" charset="0"/>
+              <a:buNone/>
+              <a:defRPr lang="en-US" sz="2000" kern="1200">
+                <a:solidFill>
+                  <a:schemeClr val="tx1"/>
+                </a:solidFill>
+                <a:latin typeface="+mn-lt"/>
+                <a:ea typeface="+mn-ea"/>
+                <a:cs typeface="+mn-cs"/>
+              </a:defRPr>
+            </a:lvl2pPr>
+            <a:lvl3pPr marL="914400" indent="0" algn="ctr" defTabSz="914400" rtl="0" eaLnBrk="1" latinLnBrk="0" hangingPunct="1">
+              <a:lnSpc>
+                <a:spcPct val="90000"/>
+              </a:lnSpc>
+              <a:spcBef>
+                <a:spcPts val="500"/>
+              </a:spcBef>
+              <a:buClr>
+                <a:srgbClr val="2E7A40"/>
+              </a:buClr>
+              <a:buFont typeface="Arial" panose="020B0604020202020204" pitchFamily="34" charset="0"/>
+              <a:buNone/>
+              <a:defRPr lang="en-US" sz="1800" kern="1200">
+                <a:solidFill>
+                  <a:schemeClr val="tx1"/>
+                </a:solidFill>
+                <a:latin typeface="+mn-lt"/>
+                <a:ea typeface="+mn-ea"/>
+                <a:cs typeface="+mn-cs"/>
+              </a:defRPr>
+            </a:lvl3pPr>
+            <a:lvl4pPr marL="1371600" indent="0" algn="ctr" defTabSz="914400" rtl="0" eaLnBrk="1" latinLnBrk="0" hangingPunct="1">
+              <a:lnSpc>
+                <a:spcPct val="90000"/>
+              </a:lnSpc>
+              <a:spcBef>
+                <a:spcPts val="500"/>
+              </a:spcBef>
+              <a:buClr>
+                <a:srgbClr val="2E7A40"/>
+              </a:buClr>
+              <a:buFont typeface="Arial" panose="020B0604020202020204" pitchFamily="34" charset="0"/>
+              <a:buNone/>
+              <a:defRPr lang="en-US" sz="1600" kern="1200">
+                <a:solidFill>
+                  <a:schemeClr val="tx1"/>
+                </a:solidFill>
+                <a:latin typeface="+mn-lt"/>
+                <a:ea typeface="+mn-ea"/>
+                <a:cs typeface="+mn-cs"/>
+              </a:defRPr>
+            </a:lvl4pPr>
+            <a:lvl5pPr marL="1828800" indent="0" algn="ctr" defTabSz="914400" rtl="0" eaLnBrk="1" latinLnBrk="0" hangingPunct="1">
+              <a:lnSpc>
+                <a:spcPct val="90000"/>
+              </a:lnSpc>
+              <a:spcBef>
+                <a:spcPts val="500"/>
+              </a:spcBef>
+              <a:buClr>
+                <a:srgbClr val="2E7A40"/>
+              </a:buClr>
+              <a:buFont typeface="Arial" panose="020B0604020202020204" pitchFamily="34" charset="0"/>
+              <a:buNone/>
+              <a:defRPr lang="en-IN" sz="1600" kern="1200">
+                <a:solidFill>
+                  <a:schemeClr val="tx1"/>
+                </a:solidFill>
+                <a:latin typeface="+mn-lt"/>
+                <a:ea typeface="+mn-ea"/>
+                <a:cs typeface="+mn-cs"/>
+              </a:defRPr>
+            </a:lvl5pPr>
+            <a:lvl6pPr marL="2286000" indent="0" algn="ctr" defTabSz="914400" rtl="0" eaLnBrk="1" latinLnBrk="0" hangingPunct="1">
+              <a:lnSpc>
+                <a:spcPct val="90000"/>
+              </a:lnSpc>
+              <a:spcBef>
+                <a:spcPts val="500"/>
+              </a:spcBef>
+              <a:buFont typeface="Arial" panose="020B0604020202020204" pitchFamily="34" charset="0"/>
+              <a:buNone/>
+              <a:defRPr sz="1600" kern="1200">
+                <a:solidFill>
+                  <a:schemeClr val="tx1"/>
+                </a:solidFill>
+                <a:latin typeface="+mn-lt"/>
+                <a:ea typeface="+mn-ea"/>
+                <a:cs typeface="+mn-cs"/>
+              </a:defRPr>
+            </a:lvl6pPr>
+            <a:lvl7pPr marL="2743200" indent="0" algn="ctr" defTabSz="914400" rtl="0" eaLnBrk="1" latinLnBrk="0" hangingPunct="1">
+              <a:lnSpc>
+                <a:spcPct val="90000"/>
+              </a:lnSpc>
+              <a:spcBef>
+                <a:spcPts val="500"/>
+              </a:spcBef>
+              <a:buFont typeface="Arial" panose="020B0604020202020204" pitchFamily="34" charset="0"/>
+              <a:buNone/>
+              <a:defRPr sz="1600" kern="1200">
+                <a:solidFill>
+                  <a:schemeClr val="tx1"/>
+                </a:solidFill>
+                <a:latin typeface="+mn-lt"/>
+                <a:ea typeface="+mn-ea"/>
+                <a:cs typeface="+mn-cs"/>
+              </a:defRPr>
+            </a:lvl7pPr>
+            <a:lvl8pPr marL="3200400" indent="0" algn="ctr" defTabSz="914400" rtl="0" eaLnBrk="1" latinLnBrk="0" hangingPunct="1">
+              <a:lnSpc>
+                <a:spcPct val="90000"/>
+              </a:lnSpc>
+              <a:spcBef>
+                <a:spcPts val="500"/>
+              </a:spcBef>
+              <a:buFont typeface="Arial" panose="020B0604020202020204" pitchFamily="34" charset="0"/>
+              <a:buNone/>
+              <a:defRPr sz="1600" kern="1200">
+                <a:solidFill>
+                  <a:schemeClr val="tx1"/>
+                </a:solidFill>
+                <a:latin typeface="+mn-lt"/>
+                <a:ea typeface="+mn-ea"/>
+                <a:cs typeface="+mn-cs"/>
+              </a:defRPr>
+            </a:lvl8pPr>
+            <a:lvl9pPr marL="3657600" indent="0" algn="ctr" defTabSz="914400" rtl="0" eaLnBrk="1" latinLnBrk="0" hangingPunct="1">
+              <a:lnSpc>
+                <a:spcPct val="90000"/>
+              </a:lnSpc>
+              <a:spcBef>
+                <a:spcPts val="500"/>
+              </a:spcBef>
+              <a:buFont typeface="Arial" panose="020B0604020202020204" pitchFamily="34" charset="0"/>
+              <a:buNone/>
+              <a:defRPr sz="1600" kern="1200">
+                <a:solidFill>
+                  <a:schemeClr val="tx1"/>
+                </a:solidFill>
+                <a:latin typeface="+mn-lt"/>
+                <a:ea typeface="+mn-ea"/>
+                <a:cs typeface="+mn-cs"/>
+              </a:defRPr>
+            </a:lvl9pPr>
+          </a:lstStyle>
+          <a:p>
+            <a:r>
+              <a:rPr lang="en-SG" dirty="0"/>
+              <a:t>How to call / invoke a function:</a:t>
+            </a:r>
+          </a:p>
+          <a:p>
+            <a:endParaRPr lang="en-SG" dirty="0"/>
+          </a:p>
+          <a:p>
+            <a:r>
+              <a:rPr lang="en-SG" sz="1400" dirty="0"/>
+              <a:t>1. Start by specifying the name of the function to be called.</a:t>
+            </a:r>
+          </a:p>
+          <a:p>
+            <a:r>
+              <a:rPr lang="en-SG" sz="1400" dirty="0"/>
+              <a:t>2. The mandatory argument.</a:t>
+            </a:r>
+          </a:p>
+          <a:p>
+            <a:r>
+              <a:rPr lang="en-SG" sz="1400" dirty="0"/>
+              <a:t>3. The default argument.</a:t>
+            </a:r>
+          </a:p>
+          <a:p>
+            <a:r>
+              <a:rPr lang="en-SG" sz="1400" dirty="0"/>
+              <a:t>4. Arbitrary argument list.</a:t>
+            </a:r>
+          </a:p>
+          <a:p>
+            <a:r>
+              <a:rPr lang="en-SG" sz="1400" dirty="0"/>
+              <a:t>5. Arbitrary named arguments.</a:t>
+            </a:r>
+          </a:p>
+          <a:p>
+            <a:r>
+              <a:rPr lang="en-SG" dirty="0"/>
+              <a:t>Output:</a:t>
+            </a:r>
+          </a:p>
+          <a:p>
+            <a:pPr>
+              <a:lnSpc>
+                <a:spcPct val="100000"/>
+              </a:lnSpc>
+              <a:spcBef>
+                <a:spcPts val="0"/>
+              </a:spcBef>
+            </a:pPr>
+            <a:endParaRPr lang="en-SG" sz="1600" b="1" dirty="0"/>
+          </a:p>
+          <a:p>
+            <a:pPr>
+              <a:lnSpc>
+                <a:spcPct val="100000"/>
+              </a:lnSpc>
+              <a:spcBef>
+                <a:spcPts val="0"/>
+              </a:spcBef>
+            </a:pPr>
+            <a:r>
+              <a:rPr lang="en-SG" sz="1600" b="1" dirty="0"/>
+              <a:t>NOTE:</a:t>
+            </a:r>
+          </a:p>
+          <a:p>
+            <a:pPr>
+              <a:lnSpc>
+                <a:spcPct val="100000"/>
+              </a:lnSpc>
+              <a:spcBef>
+                <a:spcPts val="0"/>
+              </a:spcBef>
+            </a:pPr>
+            <a:r>
+              <a:rPr lang="en-SG" sz="1600" dirty="0"/>
+              <a:t>1. The number of arguments in a function can be zero or as many as intended. Example of function with zero argument:</a:t>
+            </a:r>
+          </a:p>
+          <a:p>
+            <a:pPr>
+              <a:lnSpc>
+                <a:spcPct val="100000"/>
+              </a:lnSpc>
+              <a:spcBef>
+                <a:spcPts val="0"/>
+              </a:spcBef>
+            </a:pPr>
+            <a:endParaRPr lang="en-SG" sz="1600" dirty="0"/>
+          </a:p>
+          <a:p>
+            <a:r>
+              <a:rPr lang="en-SG" sz="1600" dirty="0"/>
+              <a:t>2. To define a function, arguments need to be wrapped with bracket and semi colon. i.e. </a:t>
+            </a:r>
+          </a:p>
+          <a:p>
+            <a:r>
+              <a:rPr lang="en-SG" sz="1600" dirty="0"/>
+              <a:t>3. To call the function, arguments need to be wrapped with bracket (NO semi colon). i.e. </a:t>
+            </a:r>
+            <a:r>
+              <a:rPr lang="en-SG" sz="1600" dirty="0">
+                <a:latin typeface="Consolas" panose="020B0609020204030204" pitchFamily="49" charset="0"/>
+              </a:rPr>
+              <a:t>run</a:t>
+            </a:r>
+            <a:r>
+              <a:rPr lang="en-SG" sz="1600" b="1" dirty="0">
+                <a:latin typeface="Consolas" panose="020B0609020204030204" pitchFamily="49" charset="0"/>
+              </a:rPr>
+              <a:t>()</a:t>
+            </a:r>
+          </a:p>
+        </p:txBody>
+      </p:sp>
+      <p:pic>
+        <p:nvPicPr>
+          <p:cNvPr id="15" name="Picture 14">
+            <a:extLst>
+              <a:ext uri="{FF2B5EF4-FFF2-40B4-BE49-F238E27FC236}">
+                <a16:creationId xmlns:a16="http://schemas.microsoft.com/office/drawing/2014/main" id="{841750E3-E0CE-4CBA-B00C-EA7C4FD77DE0}"/>
+              </a:ext>
+            </a:extLst>
+          </p:cNvPr>
+          <p:cNvPicPr>
+            <a:picLocks noChangeAspect="1"/>
+          </p:cNvPicPr>
+          <p:nvPr/>
+        </p:nvPicPr>
+        <p:blipFill>
+          <a:blip r:embed="rId2"/>
+          <a:stretch>
+            <a:fillRect/>
+          </a:stretch>
+        </p:blipFill>
+        <p:spPr>
+          <a:xfrm>
+            <a:off x="1088495" y="1725620"/>
+            <a:ext cx="8429625" cy="257175"/>
+          </a:xfrm>
+          <a:prstGeom prst="rect">
+            <a:avLst/>
+          </a:prstGeom>
+        </p:spPr>
+      </p:pic>
+      <p:sp>
+        <p:nvSpPr>
+          <p:cNvPr id="16" name="Rectangle 15">
+            <a:extLst>
+              <a:ext uri="{FF2B5EF4-FFF2-40B4-BE49-F238E27FC236}">
+                <a16:creationId xmlns:a16="http://schemas.microsoft.com/office/drawing/2014/main" id="{541DA4D9-90B7-4DA7-9AB9-F73E18DDC541}"/>
+              </a:ext>
+            </a:extLst>
+          </p:cNvPr>
+          <p:cNvSpPr/>
+          <p:nvPr/>
+        </p:nvSpPr>
+        <p:spPr>
+          <a:xfrm>
+            <a:off x="1935833" y="1536144"/>
+            <a:ext cx="219465" cy="189476"/>
+          </a:xfrm>
+          <a:prstGeom prst="rect">
+            <a:avLst/>
+          </a:prstGeom>
+          <a:noFill/>
+          <a:ln>
+            <a:solidFill>
+              <a:schemeClr val="tx1"/>
+            </a:solidFill>
+          </a:ln>
+        </p:spPr>
+        <p:txBody>
+          <a:bodyPr wrap="square" lIns="91440" tIns="45720" rIns="91440" bIns="45720" anchor="ctr" anchorCtr="0">
+            <a:noAutofit/>
+          </a:bodyPr>
+          <a:lstStyle/>
+          <a:p>
+            <a:pPr algn="ctr"/>
+            <a:r>
+              <a:rPr lang="en-US" sz="1200" b="1" cap="none" spc="0" dirty="0">
+                <a:ln w="0"/>
+                <a:solidFill>
+                  <a:schemeClr val="accent1"/>
+                </a:solidFill>
+                <a:effectLst>
+                  <a:outerShdw blurRad="38100" dist="25400" dir="5400000" algn="ctr" rotWithShape="0">
+                    <a:srgbClr val="6E747A">
+                      <a:alpha val="43000"/>
+                    </a:srgbClr>
+                  </a:outerShdw>
+                </a:effectLst>
+              </a:rPr>
+              <a:t>1</a:t>
+            </a:r>
+          </a:p>
+        </p:txBody>
+      </p:sp>
+      <p:sp>
+        <p:nvSpPr>
+          <p:cNvPr id="17" name="Rectangle 16">
+            <a:extLst>
+              <a:ext uri="{FF2B5EF4-FFF2-40B4-BE49-F238E27FC236}">
+                <a16:creationId xmlns:a16="http://schemas.microsoft.com/office/drawing/2014/main" id="{5049F4C2-C8BE-44D5-9742-569A44722EB1}"/>
+              </a:ext>
+            </a:extLst>
+          </p:cNvPr>
+          <p:cNvSpPr/>
+          <p:nvPr/>
+        </p:nvSpPr>
+        <p:spPr>
+          <a:xfrm>
+            <a:off x="3473733" y="1536144"/>
+            <a:ext cx="219465" cy="189476"/>
+          </a:xfrm>
+          <a:prstGeom prst="rect">
+            <a:avLst/>
+          </a:prstGeom>
+          <a:noFill/>
+          <a:ln>
+            <a:solidFill>
+              <a:schemeClr val="tx1"/>
+            </a:solidFill>
+          </a:ln>
+        </p:spPr>
+        <p:txBody>
+          <a:bodyPr wrap="square" lIns="91440" tIns="45720" rIns="91440" bIns="45720" anchor="ctr" anchorCtr="0">
+            <a:noAutofit/>
+          </a:bodyPr>
+          <a:lstStyle/>
+          <a:p>
+            <a:pPr algn="ctr"/>
+            <a:r>
+              <a:rPr lang="en-US" sz="1200" b="1" cap="none" spc="0" dirty="0">
+                <a:ln w="0"/>
+                <a:solidFill>
+                  <a:schemeClr val="accent1"/>
+                </a:solidFill>
+                <a:effectLst>
+                  <a:outerShdw blurRad="38100" dist="25400" dir="5400000" algn="ctr" rotWithShape="0">
+                    <a:srgbClr val="6E747A">
+                      <a:alpha val="43000"/>
+                    </a:srgbClr>
+                  </a:outerShdw>
+                </a:effectLst>
+              </a:rPr>
+              <a:t>2</a:t>
+            </a:r>
+          </a:p>
+        </p:txBody>
+      </p:sp>
+      <p:sp>
+        <p:nvSpPr>
+          <p:cNvPr id="18" name="Rectangle 17">
+            <a:extLst>
+              <a:ext uri="{FF2B5EF4-FFF2-40B4-BE49-F238E27FC236}">
+                <a16:creationId xmlns:a16="http://schemas.microsoft.com/office/drawing/2014/main" id="{AD36D1D2-6CDB-4FC0-9C49-CC640D2FAFD6}"/>
+              </a:ext>
+            </a:extLst>
+          </p:cNvPr>
+          <p:cNvSpPr/>
+          <p:nvPr/>
+        </p:nvSpPr>
+        <p:spPr>
+          <a:xfrm>
+            <a:off x="3693198" y="1536144"/>
+            <a:ext cx="219465" cy="189476"/>
+          </a:xfrm>
+          <a:prstGeom prst="rect">
+            <a:avLst/>
+          </a:prstGeom>
+          <a:noFill/>
+          <a:ln>
+            <a:solidFill>
+              <a:schemeClr val="tx1"/>
+            </a:solidFill>
+          </a:ln>
+        </p:spPr>
+        <p:txBody>
+          <a:bodyPr wrap="square" lIns="91440" tIns="45720" rIns="91440" bIns="45720" anchor="ctr" anchorCtr="0">
+            <a:noAutofit/>
+          </a:bodyPr>
+          <a:lstStyle/>
+          <a:p>
+            <a:pPr algn="ctr"/>
+            <a:r>
+              <a:rPr lang="en-US" sz="1200" b="1" cap="none" spc="0" dirty="0">
+                <a:ln w="0"/>
+                <a:solidFill>
+                  <a:schemeClr val="accent1"/>
+                </a:solidFill>
+                <a:effectLst>
+                  <a:outerShdw blurRad="38100" dist="25400" dir="5400000" algn="ctr" rotWithShape="0">
+                    <a:srgbClr val="6E747A">
+                      <a:alpha val="43000"/>
+                    </a:srgbClr>
+                  </a:outerShdw>
+                </a:effectLst>
+              </a:rPr>
+              <a:t>3</a:t>
+            </a:r>
+          </a:p>
+        </p:txBody>
+      </p:sp>
+      <p:sp>
+        <p:nvSpPr>
+          <p:cNvPr id="19" name="Rectangle 18">
+            <a:extLst>
+              <a:ext uri="{FF2B5EF4-FFF2-40B4-BE49-F238E27FC236}">
+                <a16:creationId xmlns:a16="http://schemas.microsoft.com/office/drawing/2014/main" id="{FFD18266-DED1-4D56-9E16-BB521BDA0CA8}"/>
+              </a:ext>
+            </a:extLst>
+          </p:cNvPr>
+          <p:cNvSpPr/>
+          <p:nvPr/>
+        </p:nvSpPr>
+        <p:spPr>
+          <a:xfrm>
+            <a:off x="4281172" y="1536144"/>
+            <a:ext cx="219465" cy="189476"/>
+          </a:xfrm>
+          <a:prstGeom prst="rect">
+            <a:avLst/>
+          </a:prstGeom>
+          <a:noFill/>
+          <a:ln>
+            <a:solidFill>
+              <a:schemeClr val="tx1"/>
+            </a:solidFill>
+          </a:ln>
+        </p:spPr>
+        <p:txBody>
+          <a:bodyPr wrap="square" lIns="91440" tIns="45720" rIns="91440" bIns="45720" anchor="ctr" anchorCtr="0">
+            <a:noAutofit/>
+          </a:bodyPr>
+          <a:lstStyle/>
+          <a:p>
+            <a:pPr algn="ctr"/>
+            <a:r>
+              <a:rPr lang="en-US" sz="1200" b="1" cap="none" spc="0" dirty="0">
+                <a:ln w="0"/>
+                <a:solidFill>
+                  <a:schemeClr val="accent1"/>
+                </a:solidFill>
+                <a:effectLst>
+                  <a:outerShdw blurRad="38100" dist="25400" dir="5400000" algn="ctr" rotWithShape="0">
+                    <a:srgbClr val="6E747A">
+                      <a:alpha val="43000"/>
+                    </a:srgbClr>
+                  </a:outerShdw>
+                </a:effectLst>
+              </a:rPr>
+              <a:t>4</a:t>
+            </a:r>
+          </a:p>
+        </p:txBody>
+      </p:sp>
+      <p:sp>
+        <p:nvSpPr>
+          <p:cNvPr id="20" name="Rectangle 19">
+            <a:extLst>
+              <a:ext uri="{FF2B5EF4-FFF2-40B4-BE49-F238E27FC236}">
+                <a16:creationId xmlns:a16="http://schemas.microsoft.com/office/drawing/2014/main" id="{4DB1C00C-41FC-42BD-B301-5BA35941368C}"/>
+              </a:ext>
+            </a:extLst>
+          </p:cNvPr>
+          <p:cNvSpPr/>
+          <p:nvPr/>
+        </p:nvSpPr>
+        <p:spPr>
+          <a:xfrm>
+            <a:off x="5429830" y="1536144"/>
+            <a:ext cx="219465" cy="189476"/>
+          </a:xfrm>
+          <a:prstGeom prst="rect">
+            <a:avLst/>
+          </a:prstGeom>
+          <a:noFill/>
+          <a:ln>
+            <a:solidFill>
+              <a:schemeClr val="tx1"/>
+            </a:solidFill>
+          </a:ln>
+        </p:spPr>
+        <p:txBody>
+          <a:bodyPr wrap="square" lIns="91440" tIns="45720" rIns="91440" bIns="45720" anchor="ctr" anchorCtr="0">
+            <a:noAutofit/>
+          </a:bodyPr>
+          <a:lstStyle/>
+          <a:p>
+            <a:pPr algn="ctr"/>
+            <a:r>
+              <a:rPr lang="en-US" sz="1200" b="1" cap="none" spc="0" dirty="0">
+                <a:ln w="0"/>
+                <a:solidFill>
+                  <a:schemeClr val="accent1"/>
+                </a:solidFill>
+                <a:effectLst>
+                  <a:outerShdw blurRad="38100" dist="25400" dir="5400000" algn="ctr" rotWithShape="0">
+                    <a:srgbClr val="6E747A">
+                      <a:alpha val="43000"/>
+                    </a:srgbClr>
+                  </a:outerShdw>
+                </a:effectLst>
+              </a:rPr>
+              <a:t>4</a:t>
+            </a:r>
+          </a:p>
+        </p:txBody>
+      </p:sp>
+      <p:sp>
+        <p:nvSpPr>
+          <p:cNvPr id="21" name="Rectangle 20">
+            <a:extLst>
+              <a:ext uri="{FF2B5EF4-FFF2-40B4-BE49-F238E27FC236}">
+                <a16:creationId xmlns:a16="http://schemas.microsoft.com/office/drawing/2014/main" id="{384111F7-5796-4CB7-BEE1-FC35062ECC2A}"/>
+              </a:ext>
+            </a:extLst>
+          </p:cNvPr>
+          <p:cNvSpPr/>
+          <p:nvPr/>
+        </p:nvSpPr>
+        <p:spPr>
+          <a:xfrm>
+            <a:off x="6803558" y="1536144"/>
+            <a:ext cx="219465" cy="189476"/>
+          </a:xfrm>
+          <a:prstGeom prst="rect">
+            <a:avLst/>
+          </a:prstGeom>
+          <a:noFill/>
+          <a:ln>
+            <a:solidFill>
+              <a:schemeClr val="tx1"/>
+            </a:solidFill>
+          </a:ln>
+        </p:spPr>
+        <p:txBody>
+          <a:bodyPr wrap="square" lIns="91440" tIns="45720" rIns="91440" bIns="45720" anchor="ctr" anchorCtr="0">
+            <a:noAutofit/>
+          </a:bodyPr>
+          <a:lstStyle/>
+          <a:p>
+            <a:pPr algn="ctr"/>
+            <a:r>
+              <a:rPr lang="en-US" sz="1200" b="1" cap="none" spc="0" dirty="0">
+                <a:ln w="0"/>
+                <a:solidFill>
+                  <a:schemeClr val="accent1"/>
+                </a:solidFill>
+                <a:effectLst>
+                  <a:outerShdw blurRad="38100" dist="25400" dir="5400000" algn="ctr" rotWithShape="0">
+                    <a:srgbClr val="6E747A">
+                      <a:alpha val="43000"/>
+                    </a:srgbClr>
+                  </a:outerShdw>
+                </a:effectLst>
+              </a:rPr>
+              <a:t>5</a:t>
+            </a:r>
+          </a:p>
+        </p:txBody>
+      </p:sp>
+      <p:sp>
+        <p:nvSpPr>
+          <p:cNvPr id="22" name="Rectangle 21">
+            <a:extLst>
+              <a:ext uri="{FF2B5EF4-FFF2-40B4-BE49-F238E27FC236}">
+                <a16:creationId xmlns:a16="http://schemas.microsoft.com/office/drawing/2014/main" id="{95563A9F-A24B-47F2-B79D-AB257059F999}"/>
+              </a:ext>
+            </a:extLst>
+          </p:cNvPr>
+          <p:cNvSpPr/>
+          <p:nvPr/>
+        </p:nvSpPr>
+        <p:spPr>
+          <a:xfrm>
+            <a:off x="8401630" y="1536144"/>
+            <a:ext cx="219465" cy="189476"/>
+          </a:xfrm>
+          <a:prstGeom prst="rect">
+            <a:avLst/>
+          </a:prstGeom>
+          <a:noFill/>
+          <a:ln>
+            <a:solidFill>
+              <a:schemeClr val="tx1"/>
+            </a:solidFill>
+          </a:ln>
+        </p:spPr>
+        <p:txBody>
+          <a:bodyPr wrap="square" lIns="91440" tIns="45720" rIns="91440" bIns="45720" anchor="ctr" anchorCtr="0">
+            <a:noAutofit/>
+          </a:bodyPr>
+          <a:lstStyle/>
+          <a:p>
+            <a:pPr algn="ctr"/>
+            <a:r>
+              <a:rPr lang="en-US" sz="1200" b="1" cap="none" spc="0" dirty="0">
+                <a:ln w="0"/>
+                <a:solidFill>
+                  <a:schemeClr val="accent1"/>
+                </a:solidFill>
+                <a:effectLst>
+                  <a:outerShdw blurRad="38100" dist="25400" dir="5400000" algn="ctr" rotWithShape="0">
+                    <a:srgbClr val="6E747A">
+                      <a:alpha val="43000"/>
+                    </a:srgbClr>
+                  </a:outerShdw>
+                </a:effectLst>
+              </a:rPr>
+              <a:t>5</a:t>
+            </a:r>
+          </a:p>
+        </p:txBody>
+      </p:sp>
+      <p:pic>
+        <p:nvPicPr>
+          <p:cNvPr id="35" name="Picture 34">
+            <a:extLst>
+              <a:ext uri="{FF2B5EF4-FFF2-40B4-BE49-F238E27FC236}">
+                <a16:creationId xmlns:a16="http://schemas.microsoft.com/office/drawing/2014/main" id="{8C9DED2C-7E6F-4ED9-AB0B-E8BBBD80B14E}"/>
+              </a:ext>
+            </a:extLst>
+          </p:cNvPr>
+          <p:cNvPicPr>
+            <a:picLocks noChangeAspect="1"/>
+          </p:cNvPicPr>
+          <p:nvPr/>
+        </p:nvPicPr>
+        <p:blipFill>
+          <a:blip r:embed="rId3"/>
+          <a:stretch>
+            <a:fillRect/>
+          </a:stretch>
+        </p:blipFill>
+        <p:spPr>
+          <a:xfrm>
+            <a:off x="838200" y="5053603"/>
+            <a:ext cx="1440922" cy="339039"/>
+          </a:xfrm>
+          <a:prstGeom prst="rect">
+            <a:avLst/>
+          </a:prstGeom>
+        </p:spPr>
+      </p:pic>
+      <p:cxnSp>
+        <p:nvCxnSpPr>
+          <p:cNvPr id="36" name="Straight Connector 35">
+            <a:extLst>
+              <a:ext uri="{FF2B5EF4-FFF2-40B4-BE49-F238E27FC236}">
+                <a16:creationId xmlns:a16="http://schemas.microsoft.com/office/drawing/2014/main" id="{4608C515-4544-467F-8854-E8BE25399A7C}"/>
+              </a:ext>
+            </a:extLst>
+          </p:cNvPr>
+          <p:cNvCxnSpPr>
+            <a:cxnSpLocks/>
+          </p:cNvCxnSpPr>
+          <p:nvPr/>
+        </p:nvCxnSpPr>
+        <p:spPr>
+          <a:xfrm>
+            <a:off x="10856190" y="5549900"/>
+            <a:ext cx="400050" cy="0"/>
+          </a:xfrm>
+          <a:prstGeom prst="line">
+            <a:avLst/>
+          </a:prstGeom>
+        </p:spPr>
+        <p:style>
+          <a:lnRef idx="1">
+            <a:schemeClr val="accent1"/>
+          </a:lnRef>
+          <a:fillRef idx="0">
+            <a:schemeClr val="accent1"/>
+          </a:fillRef>
+          <a:effectRef idx="0">
+            <a:schemeClr val="accent1"/>
+          </a:effectRef>
+          <a:fontRef idx="minor">
+            <a:schemeClr val="tx1"/>
+          </a:fontRef>
+        </p:style>
+      </p:cxnSp>
+      <p:cxnSp>
+        <p:nvCxnSpPr>
+          <p:cNvPr id="37" name="Straight Connector 36">
+            <a:extLst>
+              <a:ext uri="{FF2B5EF4-FFF2-40B4-BE49-F238E27FC236}">
+                <a16:creationId xmlns:a16="http://schemas.microsoft.com/office/drawing/2014/main" id="{27D7BAA5-5AEA-4AE3-8651-AFB07445660D}"/>
+              </a:ext>
+            </a:extLst>
+          </p:cNvPr>
+          <p:cNvCxnSpPr>
+            <a:cxnSpLocks/>
+          </p:cNvCxnSpPr>
+          <p:nvPr/>
+        </p:nvCxnSpPr>
+        <p:spPr>
+          <a:xfrm>
+            <a:off x="11224323" y="5142441"/>
+            <a:ext cx="0" cy="407459"/>
+          </a:xfrm>
+          <a:prstGeom prst="line">
+            <a:avLst/>
+          </a:prstGeom>
+        </p:spPr>
+        <p:style>
+          <a:lnRef idx="1">
+            <a:schemeClr val="accent1"/>
+          </a:lnRef>
+          <a:fillRef idx="0">
+            <a:schemeClr val="accent1"/>
+          </a:fillRef>
+          <a:effectRef idx="0">
+            <a:schemeClr val="accent1"/>
+          </a:effectRef>
+          <a:fontRef idx="minor">
+            <a:schemeClr val="tx1"/>
+          </a:fontRef>
+        </p:style>
+      </p:cxnSp>
+      <p:cxnSp>
+        <p:nvCxnSpPr>
+          <p:cNvPr id="38" name="Straight Arrow Connector 37">
+            <a:extLst>
+              <a:ext uri="{FF2B5EF4-FFF2-40B4-BE49-F238E27FC236}">
+                <a16:creationId xmlns:a16="http://schemas.microsoft.com/office/drawing/2014/main" id="{97A74DDD-6C29-411D-AE6F-867907D48C1F}"/>
+              </a:ext>
+            </a:extLst>
+          </p:cNvPr>
+          <p:cNvCxnSpPr>
+            <a:cxnSpLocks/>
+          </p:cNvCxnSpPr>
+          <p:nvPr/>
+        </p:nvCxnSpPr>
+        <p:spPr>
+          <a:xfrm flipH="1">
+            <a:off x="2045567" y="5142441"/>
+            <a:ext cx="9191455" cy="1"/>
+          </a:xfrm>
+          <a:prstGeom prst="straightConnector1">
+            <a:avLst/>
+          </a:prstGeom>
+          <a:ln>
+            <a:tailEnd type="triangle"/>
+          </a:ln>
+        </p:spPr>
+        <p:style>
+          <a:lnRef idx="1">
+            <a:schemeClr val="accent1"/>
+          </a:lnRef>
+          <a:fillRef idx="0">
+            <a:schemeClr val="accent1"/>
+          </a:fillRef>
+          <a:effectRef idx="0">
+            <a:schemeClr val="accent1"/>
+          </a:effectRef>
+          <a:fontRef idx="minor">
+            <a:schemeClr val="tx1"/>
+          </a:fontRef>
+        </p:style>
+      </p:cxnSp>
+    </p:spTree>
+    <p:extLst>
+      <p:ext uri="{BB962C8B-B14F-4D97-AF65-F5344CB8AC3E}">
+        <p14:creationId xmlns:p14="http://schemas.microsoft.com/office/powerpoint/2010/main" val="3167042328"/>
+      </p:ext>
+    </p:extLst>
+  </p:cSld>
+  <p:clrMapOvr>
+    <a:masterClrMapping/>
+  </p:clrMapOvr>
+</p:sld>
+</file>
+
+<file path=ppt/slides/slide22.xml><?xml version="1.0" encoding="utf-8"?>
+<p:sld xmlns:a="http://schemas.openxmlformats.org/drawingml/2006/main" xmlns:r="http://schemas.openxmlformats.org/officeDocument/2006/relationships" xmlns:p="http://schemas.openxmlformats.org/presentationml/2006/main">
+  <p:cSld>
+    <p:spTree>
+      <p:nvGrpSpPr>
+        <p:cNvPr id="1" name=""/>
+        <p:cNvGrpSpPr/>
+        <p:nvPr/>
+      </p:nvGrpSpPr>
+      <p:grpSpPr>
+        <a:xfrm>
+          <a:off x="0" y="0"/>
+          <a:ext cx="0" cy="0"/>
+          <a:chOff x="0" y="0"/>
+          <a:chExt cx="0" cy="0"/>
+        </a:xfrm>
+      </p:grpSpPr>
+      <p:sp>
+        <p:nvSpPr>
+          <p:cNvPr id="8" name="Title 1">
+            <a:extLst>
+              <a:ext uri="{FF2B5EF4-FFF2-40B4-BE49-F238E27FC236}">
+                <a16:creationId xmlns:a16="http://schemas.microsoft.com/office/drawing/2014/main" id="{3F0F4D35-0091-455F-AF5A-2F71899D3C16}"/>
+              </a:ext>
+            </a:extLst>
+          </p:cNvPr>
+          <p:cNvSpPr txBox="1">
+            <a:spLocks/>
+          </p:cNvSpPr>
+          <p:nvPr/>
+        </p:nvSpPr>
+        <p:spPr>
+          <a:xfrm>
+            <a:off x="838200" y="365125"/>
+            <a:ext cx="10515600" cy="678815"/>
+          </a:xfrm>
+          <a:prstGeom prst="rect">
+            <a:avLst/>
+          </a:prstGeom>
+        </p:spPr>
+        <p:txBody>
+          <a:bodyPr vert="horz" lIns="91440" tIns="45720" rIns="91440" bIns="0" rtlCol="0" anchor="b">
+            <a:normAutofit/>
+          </a:bodyPr>
+          <a:lstStyle>
+            <a:lvl1pPr algn="l" defTabSz="914400" rtl="0" eaLnBrk="1" latinLnBrk="0" hangingPunct="1">
+              <a:lnSpc>
+                <a:spcPct val="90000"/>
+              </a:lnSpc>
+              <a:spcBef>
+                <a:spcPct val="0"/>
+              </a:spcBef>
+              <a:buNone/>
+              <a:defRPr lang="en-IN" sz="4300" b="1" kern="1200">
+                <a:solidFill>
+                  <a:schemeClr val="accent1"/>
+                </a:solidFill>
+                <a:latin typeface="+mj-lt"/>
+                <a:ea typeface="+mj-ea"/>
+                <a:cs typeface="+mj-cs"/>
+              </a:defRPr>
+            </a:lvl1pPr>
+          </a:lstStyle>
+          <a:p>
+            <a:pPr algn="ctr"/>
+            <a:r>
+              <a:rPr lang="en-SG" dirty="0"/>
+              <a:t>V. Functions – Exercise (5/6)</a:t>
             </a:r>
           </a:p>
         </p:txBody>
@@ -22344,7 +24321,7 @@
 </p:sld>
 </file>
 
-<file path=ppt/slides/slide21.xml><?xml version="1.0" encoding="utf-8"?>
+<file path=ppt/slides/slide23.xml><?xml version="1.0" encoding="utf-8"?>
 <p:sld xmlns:a="http://schemas.openxmlformats.org/drawingml/2006/main" xmlns:r="http://schemas.openxmlformats.org/officeDocument/2006/relationships" xmlns:p="http://schemas.openxmlformats.org/presentationml/2006/main">
   <p:cSld>
     <p:spTree>
@@ -22411,7 +24388,7 @@
             <a:pPr algn="ctr"/>
             <a:r>
               <a:rPr lang="en-SG" dirty="0"/>
-              <a:t>V. Functions – Solutions (4/4)</a:t>
+              <a:t>V. Functions – Solutions (6/6)</a:t>
             </a:r>
           </a:p>
         </p:txBody>
@@ -23185,7 +25162,7 @@
 </p:sld>
 </file>
 
-<file path=ppt/slides/slide22.xml><?xml version="1.0" encoding="utf-8"?>
+<file path=ppt/slides/slide24.xml><?xml version="1.0" encoding="utf-8"?>
 <p:sld xmlns:a="http://schemas.openxmlformats.org/drawingml/2006/main" xmlns:r="http://schemas.openxmlformats.org/officeDocument/2006/relationships" xmlns:p="http://schemas.openxmlformats.org/presentationml/2006/main">
   <p:cSld>
     <p:spTree>
@@ -23815,7 +25792,7 @@
 </p:sld>
 </file>
 
-<file path=ppt/slides/slide23.xml><?xml version="1.0" encoding="utf-8"?>
+<file path=ppt/slides/slide25.xml><?xml version="1.0" encoding="utf-8"?>
 <p:sld xmlns:a="http://schemas.openxmlformats.org/drawingml/2006/main" xmlns:r="http://schemas.openxmlformats.org/officeDocument/2006/relationships" xmlns:p="http://schemas.openxmlformats.org/presentationml/2006/main">
   <p:cSld>
     <p:spTree>
@@ -24148,7 +26125,7 @@
 </p:sld>
 </file>
 
-<file path=ppt/slides/slide24.xml><?xml version="1.0" encoding="utf-8"?>
+<file path=ppt/slides/slide26.xml><?xml version="1.0" encoding="utf-8"?>
 <p:sld xmlns:a="http://schemas.openxmlformats.org/drawingml/2006/main" xmlns:r="http://schemas.openxmlformats.org/officeDocument/2006/relationships" xmlns:p="http://schemas.openxmlformats.org/presentationml/2006/main">
   <p:cSld>
     <p:spTree>
